--- a/Seminarski 3/3. High-Availability sistem u SQL Server DBMS-u.pptx
+++ b/Seminarski 3/3. High-Availability sistem u SQL Server DBMS-u.pptx
@@ -6,6 +6,21 @@
   </p:sldMasterIdLst>
   <p:sldIdLst>
     <p:sldId id="256" r:id="rId2"/>
+    <p:sldId id="257" r:id="rId3"/>
+    <p:sldId id="258" r:id="rId4"/>
+    <p:sldId id="259" r:id="rId5"/>
+    <p:sldId id="260" r:id="rId6"/>
+    <p:sldId id="261" r:id="rId7"/>
+    <p:sldId id="262" r:id="rId8"/>
+    <p:sldId id="263" r:id="rId9"/>
+    <p:sldId id="264" r:id="rId10"/>
+    <p:sldId id="265" r:id="rId11"/>
+    <p:sldId id="266" r:id="rId12"/>
+    <p:sldId id="267" r:id="rId13"/>
+    <p:sldId id="268" r:id="rId14"/>
+    <p:sldId id="269" r:id="rId15"/>
+    <p:sldId id="270" r:id="rId16"/>
+    <p:sldId id="271" r:id="rId17"/>
   </p:sldIdLst>
   <p:sldSz cx="12192000" cy="6858000"/>
   <p:notesSz cx="6858000" cy="9144000"/>
@@ -104,6 +119,11 @@
       </a:defRPr>
     </a:lvl9pPr>
   </p:defaultTextStyle>
+  <p:extLst>
+    <p:ext uri="{EFAFB233-063F-42B5-8137-9DF3F51BA10A}">
+      <p15:sldGuideLst xmlns:p15="http://schemas.microsoft.com/office/powerpoint/2012/main"/>
+    </p:ext>
+  </p:extLst>
 </p:presentation>
 </file>
 
@@ -157,7 +177,7 @@
           <a:noFill/>
           <a:extLst>
             <a:ext uri="{909E8E84-426E-40dd-AFC4-6F175D3DCCD1}">
-              <a14:hiddenFill xmlns:a14="http://schemas.microsoft.com/office/drawing/2010/main" xmlns="">
+              <a14:hiddenFill xmlns="" xmlns:a14="http://schemas.microsoft.com/office/drawing/2010/main">
                 <a:solidFill>
                   <a:srgbClr val="FFFFFF"/>
                 </a:solidFill>
@@ -217,7 +237,7 @@
             </a:ln>
             <a:extLst>
               <a:ext uri="{91240B29-F687-4f45-9708-019B960494DF}">
-                <a14:hiddenLine xmlns:a14="http://schemas.microsoft.com/office/drawing/2010/main" xmlns="" w="9525">
+                <a14:hiddenLine xmlns="" xmlns:a14="http://schemas.microsoft.com/office/drawing/2010/main" w="9525">
                   <a:solidFill>
                     <a:srgbClr val="000000"/>
                   </a:solidFill>
@@ -307,7 +327,7 @@
             </a:ln>
             <a:extLst>
               <a:ext uri="{91240B29-F687-4f45-9708-019B960494DF}">
-                <a14:hiddenLine xmlns:a14="http://schemas.microsoft.com/office/drawing/2010/main" xmlns="" w="9525">
+                <a14:hiddenLine xmlns="" xmlns:a14="http://schemas.microsoft.com/office/drawing/2010/main" w="9525">
                   <a:solidFill>
                     <a:srgbClr val="000000"/>
                   </a:solidFill>
@@ -397,7 +417,7 @@
             </a:ln>
             <a:extLst>
               <a:ext uri="{91240B29-F687-4f45-9708-019B960494DF}">
-                <a14:hiddenLine xmlns:a14="http://schemas.microsoft.com/office/drawing/2010/main" xmlns="" w="9525">
+                <a14:hiddenLine xmlns="" xmlns:a14="http://schemas.microsoft.com/office/drawing/2010/main" w="9525">
                   <a:solidFill>
                     <a:srgbClr val="000000"/>
                   </a:solidFill>
@@ -431,7 +451,7 @@
             </a:ln>
             <a:extLst>
               <a:ext uri="{91240B29-F687-4f45-9708-019B960494DF}">
-                <a14:hiddenLine xmlns:a14="http://schemas.microsoft.com/office/drawing/2010/main" xmlns="" w="9525">
+                <a14:hiddenLine xmlns="" xmlns:a14="http://schemas.microsoft.com/office/drawing/2010/main" w="9525">
                   <a:solidFill>
                     <a:srgbClr val="000000"/>
                   </a:solidFill>
@@ -521,7 +541,7 @@
             </a:ln>
             <a:extLst>
               <a:ext uri="{91240B29-F687-4f45-9708-019B960494DF}">
-                <a14:hiddenLine xmlns:a14="http://schemas.microsoft.com/office/drawing/2010/main" xmlns="" w="9525">
+                <a14:hiddenLine xmlns="" xmlns:a14="http://schemas.microsoft.com/office/drawing/2010/main" w="9525">
                   <a:solidFill>
                     <a:srgbClr val="000000"/>
                   </a:solidFill>
@@ -583,7 +603,7 @@
             </a:ln>
             <a:extLst>
               <a:ext uri="{91240B29-F687-4f45-9708-019B960494DF}">
-                <a14:hiddenLine xmlns:a14="http://schemas.microsoft.com/office/drawing/2010/main" xmlns="" w="9525">
+                <a14:hiddenLine xmlns="" xmlns:a14="http://schemas.microsoft.com/office/drawing/2010/main" w="9525">
                   <a:solidFill>
                     <a:srgbClr val="000000"/>
                   </a:solidFill>
@@ -645,7 +665,7 @@
             </a:ln>
             <a:extLst>
               <a:ext uri="{91240B29-F687-4f45-9708-019B960494DF}">
-                <a14:hiddenLine xmlns:a14="http://schemas.microsoft.com/office/drawing/2010/main" xmlns="" w="9525">
+                <a14:hiddenLine xmlns="" xmlns:a14="http://schemas.microsoft.com/office/drawing/2010/main" w="9525">
                   <a:solidFill>
                     <a:srgbClr val="000000"/>
                   </a:solidFill>
@@ -735,7 +755,7 @@
             </a:ln>
             <a:extLst>
               <a:ext uri="{91240B29-F687-4f45-9708-019B960494DF}">
-                <a14:hiddenLine xmlns:a14="http://schemas.microsoft.com/office/drawing/2010/main" xmlns="" w="9525">
+                <a14:hiddenLine xmlns="" xmlns:a14="http://schemas.microsoft.com/office/drawing/2010/main" w="9525">
                   <a:solidFill>
                     <a:srgbClr val="000000"/>
                   </a:solidFill>
@@ -797,7 +817,7 @@
             </a:ln>
             <a:extLst>
               <a:ext uri="{91240B29-F687-4f45-9708-019B960494DF}">
-                <a14:hiddenLine xmlns:a14="http://schemas.microsoft.com/office/drawing/2010/main" xmlns="" w="9525">
+                <a14:hiddenLine xmlns="" xmlns:a14="http://schemas.microsoft.com/office/drawing/2010/main" w="9525">
                   <a:solidFill>
                     <a:srgbClr val="000000"/>
                   </a:solidFill>
@@ -859,7 +879,7 @@
             </a:ln>
             <a:extLst>
               <a:ext uri="{91240B29-F687-4f45-9708-019B960494DF}">
-                <a14:hiddenLine xmlns:a14="http://schemas.microsoft.com/office/drawing/2010/main" xmlns="" w="9525">
+                <a14:hiddenLine xmlns="" xmlns:a14="http://schemas.microsoft.com/office/drawing/2010/main" w="9525">
                   <a:solidFill>
                     <a:srgbClr val="000000"/>
                   </a:solidFill>
@@ -949,7 +969,7 @@
             </a:ln>
             <a:extLst>
               <a:ext uri="{91240B29-F687-4f45-9708-019B960494DF}">
-                <a14:hiddenLine xmlns:a14="http://schemas.microsoft.com/office/drawing/2010/main" xmlns="" w="9525">
+                <a14:hiddenLine xmlns="" xmlns:a14="http://schemas.microsoft.com/office/drawing/2010/main" w="9525">
                   <a:solidFill>
                     <a:srgbClr val="000000"/>
                   </a:solidFill>
@@ -1039,7 +1059,7 @@
             </a:ln>
             <a:extLst>
               <a:ext uri="{91240B29-F687-4f45-9708-019B960494DF}">
-                <a14:hiddenLine xmlns:a14="http://schemas.microsoft.com/office/drawing/2010/main" xmlns="" w="9525">
+                <a14:hiddenLine xmlns="" xmlns:a14="http://schemas.microsoft.com/office/drawing/2010/main" w="9525">
                   <a:solidFill>
                     <a:srgbClr val="000000"/>
                   </a:solidFill>
@@ -1101,7 +1121,7 @@
             </a:ln>
             <a:extLst>
               <a:ext uri="{91240B29-F687-4f45-9708-019B960494DF}">
-                <a14:hiddenLine xmlns:a14="http://schemas.microsoft.com/office/drawing/2010/main" xmlns="" w="9525">
+                <a14:hiddenLine xmlns="" xmlns:a14="http://schemas.microsoft.com/office/drawing/2010/main" w="9525">
                   <a:solidFill>
                     <a:srgbClr val="000000"/>
                   </a:solidFill>
@@ -1211,7 +1231,7 @@
             </a:ln>
             <a:extLst>
               <a:ext uri="{91240B29-F687-4f45-9708-019B960494DF}">
-                <a14:hiddenLine xmlns:a14="http://schemas.microsoft.com/office/drawing/2010/main" xmlns="" w="9525">
+                <a14:hiddenLine xmlns="" xmlns:a14="http://schemas.microsoft.com/office/drawing/2010/main" w="9525">
                   <a:solidFill>
                     <a:srgbClr val="000000"/>
                   </a:solidFill>
@@ -1273,7 +1293,7 @@
             </a:ln>
             <a:extLst>
               <a:ext uri="{91240B29-F687-4f45-9708-019B960494DF}">
-                <a14:hiddenLine xmlns:a14="http://schemas.microsoft.com/office/drawing/2010/main" xmlns="" w="9525">
+                <a14:hiddenLine xmlns="" xmlns:a14="http://schemas.microsoft.com/office/drawing/2010/main" w="9525">
                   <a:solidFill>
                     <a:srgbClr val="000000"/>
                   </a:solidFill>
@@ -1363,7 +1383,7 @@
             </a:ln>
             <a:extLst>
               <a:ext uri="{91240B29-F687-4f45-9708-019B960494DF}">
-                <a14:hiddenLine xmlns:a14="http://schemas.microsoft.com/office/drawing/2010/main" xmlns="" w="9525">
+                <a14:hiddenLine xmlns="" xmlns:a14="http://schemas.microsoft.com/office/drawing/2010/main" w="9525">
                   <a:solidFill>
                     <a:srgbClr val="000000"/>
                   </a:solidFill>
@@ -1453,7 +1473,7 @@
             </a:ln>
             <a:extLst>
               <a:ext uri="{91240B29-F687-4f45-9708-019B960494DF}">
-                <a14:hiddenLine xmlns:a14="http://schemas.microsoft.com/office/drawing/2010/main" xmlns="" w="9525">
+                <a14:hiddenLine xmlns="" xmlns:a14="http://schemas.microsoft.com/office/drawing/2010/main" w="9525">
                   <a:solidFill>
                     <a:srgbClr val="000000"/>
                   </a:solidFill>
@@ -1515,7 +1535,7 @@
             </a:ln>
             <a:extLst>
               <a:ext uri="{91240B29-F687-4f45-9708-019B960494DF}">
-                <a14:hiddenLine xmlns:a14="http://schemas.microsoft.com/office/drawing/2010/main" xmlns="" w="9525">
+                <a14:hiddenLine xmlns="" xmlns:a14="http://schemas.microsoft.com/office/drawing/2010/main" w="9525">
                   <a:solidFill>
                     <a:srgbClr val="000000"/>
                   </a:solidFill>
@@ -1605,7 +1625,7 @@
             </a:ln>
             <a:extLst>
               <a:ext uri="{91240B29-F687-4f45-9708-019B960494DF}">
-                <a14:hiddenLine xmlns:a14="http://schemas.microsoft.com/office/drawing/2010/main" xmlns="" w="9525">
+                <a14:hiddenLine xmlns="" xmlns:a14="http://schemas.microsoft.com/office/drawing/2010/main" w="9525">
                   <a:solidFill>
                     <a:srgbClr val="000000"/>
                   </a:solidFill>
@@ -1695,7 +1715,7 @@
             </a:ln>
             <a:extLst>
               <a:ext uri="{91240B29-F687-4f45-9708-019B960494DF}">
-                <a14:hiddenLine xmlns:a14="http://schemas.microsoft.com/office/drawing/2010/main" xmlns="" w="9525">
+                <a14:hiddenLine xmlns="" xmlns:a14="http://schemas.microsoft.com/office/drawing/2010/main" w="9525">
                   <a:solidFill>
                     <a:srgbClr val="000000"/>
                   </a:solidFill>
@@ -1751,7 +1771,7 @@
             </a:ln>
             <a:extLst>
               <a:ext uri="{91240B29-F687-4f45-9708-019B960494DF}">
-                <a14:hiddenLine xmlns:a14="http://schemas.microsoft.com/office/drawing/2010/main" xmlns="" w="9525">
+                <a14:hiddenLine xmlns="" xmlns:a14="http://schemas.microsoft.com/office/drawing/2010/main" w="9525">
                   <a:solidFill>
                     <a:srgbClr val="000000"/>
                   </a:solidFill>
@@ -1841,7 +1861,7 @@
             </a:ln>
             <a:extLst>
               <a:ext uri="{91240B29-F687-4f45-9708-019B960494DF}">
-                <a14:hiddenLine xmlns:a14="http://schemas.microsoft.com/office/drawing/2010/main" xmlns="" w="9525">
+                <a14:hiddenLine xmlns="" xmlns:a14="http://schemas.microsoft.com/office/drawing/2010/main" w="9525">
                   <a:solidFill>
                     <a:srgbClr val="000000"/>
                   </a:solidFill>
@@ -1897,7 +1917,7 @@
             </a:ln>
             <a:extLst>
               <a:ext uri="{91240B29-F687-4f45-9708-019B960494DF}">
-                <a14:hiddenLine xmlns:a14="http://schemas.microsoft.com/office/drawing/2010/main" xmlns="" w="9525">
+                <a14:hiddenLine xmlns="" xmlns:a14="http://schemas.microsoft.com/office/drawing/2010/main" w="9525">
                   <a:solidFill>
                     <a:srgbClr val="000000"/>
                   </a:solidFill>
@@ -1987,7 +2007,7 @@
             </a:ln>
             <a:extLst>
               <a:ext uri="{91240B29-F687-4f45-9708-019B960494DF}">
-                <a14:hiddenLine xmlns:a14="http://schemas.microsoft.com/office/drawing/2010/main" xmlns="" w="9525">
+                <a14:hiddenLine xmlns="" xmlns:a14="http://schemas.microsoft.com/office/drawing/2010/main" w="9525">
                   <a:solidFill>
                     <a:srgbClr val="000000"/>
                   </a:solidFill>
@@ -2055,7 +2075,7 @@
             </a:ln>
             <a:extLst>
               <a:ext uri="{91240B29-F687-4f45-9708-019B960494DF}">
-                <a14:hiddenLine xmlns:a14="http://schemas.microsoft.com/office/drawing/2010/main" xmlns="" w="9525">
+                <a14:hiddenLine xmlns="" xmlns:a14="http://schemas.microsoft.com/office/drawing/2010/main" w="9525">
                   <a:solidFill>
                     <a:srgbClr val="000000"/>
                   </a:solidFill>
@@ -2145,7 +2165,7 @@
             </a:ln>
             <a:extLst>
               <a:ext uri="{91240B29-F687-4f45-9708-019B960494DF}">
-                <a14:hiddenLine xmlns:a14="http://schemas.microsoft.com/office/drawing/2010/main" xmlns="" w="9525">
+                <a14:hiddenLine xmlns="" xmlns:a14="http://schemas.microsoft.com/office/drawing/2010/main" w="9525">
                   <a:solidFill>
                     <a:srgbClr val="000000"/>
                   </a:solidFill>
@@ -2213,7 +2233,7 @@
             </a:ln>
             <a:extLst>
               <a:ext uri="{91240B29-F687-4f45-9708-019B960494DF}">
-                <a14:hiddenLine xmlns:a14="http://schemas.microsoft.com/office/drawing/2010/main" xmlns="" w="9525">
+                <a14:hiddenLine xmlns="" xmlns:a14="http://schemas.microsoft.com/office/drawing/2010/main" w="9525">
                   <a:solidFill>
                     <a:srgbClr val="000000"/>
                   </a:solidFill>
@@ -2303,7 +2323,7 @@
             </a:ln>
             <a:extLst>
               <a:ext uri="{91240B29-F687-4f45-9708-019B960494DF}">
-                <a14:hiddenLine xmlns:a14="http://schemas.microsoft.com/office/drawing/2010/main" xmlns="" w="9525">
+                <a14:hiddenLine xmlns="" xmlns:a14="http://schemas.microsoft.com/office/drawing/2010/main" w="9525">
                   <a:solidFill>
                     <a:srgbClr val="000000"/>
                   </a:solidFill>
@@ -2337,7 +2357,7 @@
             </a:ln>
             <a:extLst>
               <a:ext uri="{91240B29-F687-4f45-9708-019B960494DF}">
-                <a14:hiddenLine xmlns:a14="http://schemas.microsoft.com/office/drawing/2010/main" xmlns="" w="9525">
+                <a14:hiddenLine xmlns="" xmlns:a14="http://schemas.microsoft.com/office/drawing/2010/main" w="9525">
                   <a:solidFill>
                     <a:srgbClr val="000000"/>
                   </a:solidFill>
@@ -2427,7 +2447,7 @@
             </a:ln>
             <a:extLst>
               <a:ext uri="{91240B29-F687-4f45-9708-019B960494DF}">
-                <a14:hiddenLine xmlns:a14="http://schemas.microsoft.com/office/drawing/2010/main" xmlns="" w="9525">
+                <a14:hiddenLine xmlns="" xmlns:a14="http://schemas.microsoft.com/office/drawing/2010/main" w="9525">
                   <a:solidFill>
                     <a:srgbClr val="000000"/>
                   </a:solidFill>
@@ -2489,7 +2509,7 @@
             </a:ln>
             <a:extLst>
               <a:ext uri="{91240B29-F687-4f45-9708-019B960494DF}">
-                <a14:hiddenLine xmlns:a14="http://schemas.microsoft.com/office/drawing/2010/main" xmlns="" w="9525">
+                <a14:hiddenLine xmlns="" xmlns:a14="http://schemas.microsoft.com/office/drawing/2010/main" w="9525">
                   <a:solidFill>
                     <a:srgbClr val="000000"/>
                   </a:solidFill>
@@ -2551,7 +2571,7 @@
             </a:ln>
             <a:extLst>
               <a:ext uri="{91240B29-F687-4f45-9708-019B960494DF}">
-                <a14:hiddenLine xmlns:a14="http://schemas.microsoft.com/office/drawing/2010/main" xmlns="" w="9525">
+                <a14:hiddenLine xmlns="" xmlns:a14="http://schemas.microsoft.com/office/drawing/2010/main" w="9525">
                   <a:solidFill>
                     <a:srgbClr val="000000"/>
                   </a:solidFill>
@@ -2641,7 +2661,7 @@
             </a:ln>
             <a:extLst>
               <a:ext uri="{91240B29-F687-4f45-9708-019B960494DF}">
-                <a14:hiddenLine xmlns:a14="http://schemas.microsoft.com/office/drawing/2010/main" xmlns="" w="9525">
+                <a14:hiddenLine xmlns="" xmlns:a14="http://schemas.microsoft.com/office/drawing/2010/main" w="9525">
                   <a:solidFill>
                     <a:srgbClr val="000000"/>
                   </a:solidFill>
@@ -2709,7 +2729,7 @@
             </a:ln>
             <a:extLst>
               <a:ext uri="{91240B29-F687-4f45-9708-019B960494DF}">
-                <a14:hiddenLine xmlns:a14="http://schemas.microsoft.com/office/drawing/2010/main" xmlns="" w="9525">
+                <a14:hiddenLine xmlns="" xmlns:a14="http://schemas.microsoft.com/office/drawing/2010/main" w="9525">
                   <a:solidFill>
                     <a:srgbClr val="000000"/>
                   </a:solidFill>
@@ -2771,7 +2791,7 @@
             </a:ln>
             <a:extLst>
               <a:ext uri="{91240B29-F687-4f45-9708-019B960494DF}">
-                <a14:hiddenLine xmlns:a14="http://schemas.microsoft.com/office/drawing/2010/main" xmlns="" w="9525">
+                <a14:hiddenLine xmlns="" xmlns:a14="http://schemas.microsoft.com/office/drawing/2010/main" w="9525">
                   <a:solidFill>
                     <a:srgbClr val="000000"/>
                   </a:solidFill>
@@ -2861,7 +2881,7 @@
             </a:ln>
             <a:extLst>
               <a:ext uri="{91240B29-F687-4f45-9708-019B960494DF}">
-                <a14:hiddenLine xmlns:a14="http://schemas.microsoft.com/office/drawing/2010/main" xmlns="" w="9525">
+                <a14:hiddenLine xmlns="" xmlns:a14="http://schemas.microsoft.com/office/drawing/2010/main" w="9525">
                   <a:solidFill>
                     <a:srgbClr val="000000"/>
                   </a:solidFill>
@@ -2923,7 +2943,7 @@
             </a:ln>
             <a:extLst>
               <a:ext uri="{91240B29-F687-4f45-9708-019B960494DF}">
-                <a14:hiddenLine xmlns:a14="http://schemas.microsoft.com/office/drawing/2010/main" xmlns="" w="9525">
+                <a14:hiddenLine xmlns="" xmlns:a14="http://schemas.microsoft.com/office/drawing/2010/main" w="9525">
                   <a:solidFill>
                     <a:srgbClr val="000000"/>
                   </a:solidFill>
@@ -3013,7 +3033,7 @@
             </a:ln>
             <a:extLst>
               <a:ext uri="{91240B29-F687-4f45-9708-019B960494DF}">
-                <a14:hiddenLine xmlns:a14="http://schemas.microsoft.com/office/drawing/2010/main" xmlns="" w="9525">
+                <a14:hiddenLine xmlns="" xmlns:a14="http://schemas.microsoft.com/office/drawing/2010/main" w="9525">
                   <a:solidFill>
                     <a:srgbClr val="000000"/>
                   </a:solidFill>
@@ -3075,7 +3095,7 @@
             </a:ln>
             <a:extLst>
               <a:ext uri="{91240B29-F687-4f45-9708-019B960494DF}">
-                <a14:hiddenLine xmlns:a14="http://schemas.microsoft.com/office/drawing/2010/main" xmlns="" w="9525">
+                <a14:hiddenLine xmlns="" xmlns:a14="http://schemas.microsoft.com/office/drawing/2010/main" w="9525">
                   <a:solidFill>
                     <a:srgbClr val="000000"/>
                   </a:solidFill>
@@ -3165,7 +3185,7 @@
             </a:ln>
             <a:extLst>
               <a:ext uri="{91240B29-F687-4f45-9708-019B960494DF}">
-                <a14:hiddenLine xmlns:a14="http://schemas.microsoft.com/office/drawing/2010/main" xmlns="" w="9525">
+                <a14:hiddenLine xmlns="" xmlns:a14="http://schemas.microsoft.com/office/drawing/2010/main" w="9525">
                   <a:solidFill>
                     <a:srgbClr val="000000"/>
                   </a:solidFill>
@@ -3199,7 +3219,7 @@
             </a:ln>
             <a:extLst>
               <a:ext uri="{91240B29-F687-4f45-9708-019B960494DF}">
-                <a14:hiddenLine xmlns:a14="http://schemas.microsoft.com/office/drawing/2010/main" xmlns="" w="9525">
+                <a14:hiddenLine xmlns="" xmlns:a14="http://schemas.microsoft.com/office/drawing/2010/main" w="9525">
                   <a:solidFill>
                     <a:srgbClr val="000000"/>
                   </a:solidFill>
@@ -3264,7 +3284,7 @@
             </a:ln>
             <a:extLst>
               <a:ext uri="{91240B29-F687-4f45-9708-019B960494DF}">
-                <a14:hiddenLine xmlns:a14="http://schemas.microsoft.com/office/drawing/2010/main" xmlns="" w="9525">
+                <a14:hiddenLine xmlns="" xmlns:a14="http://schemas.microsoft.com/office/drawing/2010/main" w="9525">
                   <a:solidFill>
                     <a:srgbClr val="000000"/>
                   </a:solidFill>
@@ -3354,7 +3374,7 @@
             </a:ln>
             <a:extLst>
               <a:ext uri="{91240B29-F687-4f45-9708-019B960494DF}">
-                <a14:hiddenLine xmlns:a14="http://schemas.microsoft.com/office/drawing/2010/main" xmlns="" w="9525">
+                <a14:hiddenLine xmlns="" xmlns:a14="http://schemas.microsoft.com/office/drawing/2010/main" w="9525">
                   <a:solidFill>
                     <a:srgbClr val="000000"/>
                   </a:solidFill>
@@ -3416,7 +3436,7 @@
             </a:ln>
             <a:extLst>
               <a:ext uri="{91240B29-F687-4f45-9708-019B960494DF}">
-                <a14:hiddenLine xmlns:a14="http://schemas.microsoft.com/office/drawing/2010/main" xmlns="" w="9525">
+                <a14:hiddenLine xmlns="" xmlns:a14="http://schemas.microsoft.com/office/drawing/2010/main" w="9525">
                   <a:solidFill>
                     <a:srgbClr val="000000"/>
                   </a:solidFill>
@@ -3506,7 +3526,7 @@
             </a:ln>
             <a:extLst>
               <a:ext uri="{91240B29-F687-4f45-9708-019B960494DF}">
-                <a14:hiddenLine xmlns:a14="http://schemas.microsoft.com/office/drawing/2010/main" xmlns="" w="9525">
+                <a14:hiddenLine xmlns="" xmlns:a14="http://schemas.microsoft.com/office/drawing/2010/main" w="9525">
                   <a:solidFill>
                     <a:srgbClr val="000000"/>
                   </a:solidFill>
@@ -3596,7 +3616,7 @@
             </a:ln>
             <a:extLst>
               <a:ext uri="{91240B29-F687-4f45-9708-019B960494DF}">
-                <a14:hiddenLine xmlns:a14="http://schemas.microsoft.com/office/drawing/2010/main" xmlns="" w="9525">
+                <a14:hiddenLine xmlns="" xmlns:a14="http://schemas.microsoft.com/office/drawing/2010/main" w="9525">
                   <a:solidFill>
                     <a:srgbClr val="000000"/>
                   </a:solidFill>
@@ -3661,7 +3681,7 @@
             </a:ln>
             <a:extLst>
               <a:ext uri="{91240B29-F687-4f45-9708-019B960494DF}">
-                <a14:hiddenLine xmlns:a14="http://schemas.microsoft.com/office/drawing/2010/main" xmlns="" w="9525">
+                <a14:hiddenLine xmlns="" xmlns:a14="http://schemas.microsoft.com/office/drawing/2010/main" w="9525">
                   <a:solidFill>
                     <a:srgbClr val="000000"/>
                   </a:solidFill>
@@ -3723,7 +3743,7 @@
             </a:ln>
             <a:extLst>
               <a:ext uri="{91240B29-F687-4f45-9708-019B960494DF}">
-                <a14:hiddenLine xmlns:a14="http://schemas.microsoft.com/office/drawing/2010/main" xmlns="" w="9525">
+                <a14:hiddenLine xmlns="" xmlns:a14="http://schemas.microsoft.com/office/drawing/2010/main" w="9525">
                   <a:solidFill>
                     <a:srgbClr val="000000"/>
                   </a:solidFill>
@@ -3813,7 +3833,7 @@
             </a:ln>
             <a:extLst>
               <a:ext uri="{91240B29-F687-4f45-9708-019B960494DF}">
-                <a14:hiddenLine xmlns:a14="http://schemas.microsoft.com/office/drawing/2010/main" xmlns="" w="9525">
+                <a14:hiddenLine xmlns="" xmlns:a14="http://schemas.microsoft.com/office/drawing/2010/main" w="9525">
                   <a:solidFill>
                     <a:srgbClr val="000000"/>
                   </a:solidFill>
@@ -3903,7 +3923,7 @@
             </a:ln>
             <a:extLst>
               <a:ext uri="{91240B29-F687-4f45-9708-019B960494DF}">
-                <a14:hiddenLine xmlns:a14="http://schemas.microsoft.com/office/drawing/2010/main" xmlns="" w="9525">
+                <a14:hiddenLine xmlns="" xmlns:a14="http://schemas.microsoft.com/office/drawing/2010/main" w="9525">
                   <a:solidFill>
                     <a:srgbClr val="000000"/>
                   </a:solidFill>
@@ -3965,7 +3985,7 @@
             </a:ln>
             <a:extLst>
               <a:ext uri="{91240B29-F687-4f45-9708-019B960494DF}">
-                <a14:hiddenLine xmlns:a14="http://schemas.microsoft.com/office/drawing/2010/main" xmlns="" w="9525">
+                <a14:hiddenLine xmlns="" xmlns:a14="http://schemas.microsoft.com/office/drawing/2010/main" w="9525">
                   <a:solidFill>
                     <a:srgbClr val="000000"/>
                   </a:solidFill>
@@ -4085,7 +4105,7 @@
             </a:ln>
             <a:extLst>
               <a:ext uri="{91240B29-F687-4f45-9708-019B960494DF}">
-                <a14:hiddenLine xmlns:a14="http://schemas.microsoft.com/office/drawing/2010/main" xmlns="" w="9525">
+                <a14:hiddenLine xmlns="" xmlns:a14="http://schemas.microsoft.com/office/drawing/2010/main" w="9525">
                   <a:solidFill>
                     <a:srgbClr val="000000"/>
                   </a:solidFill>
@@ -4153,7 +4173,7 @@
             </a:ln>
             <a:extLst>
               <a:ext uri="{91240B29-F687-4f45-9708-019B960494DF}">
-                <a14:hiddenLine xmlns:a14="http://schemas.microsoft.com/office/drawing/2010/main" xmlns="" w="9525">
+                <a14:hiddenLine xmlns="" xmlns:a14="http://schemas.microsoft.com/office/drawing/2010/main" w="9525">
                   <a:solidFill>
                     <a:srgbClr val="000000"/>
                   </a:solidFill>
@@ -4243,7 +4263,7 @@
             </a:ln>
             <a:extLst>
               <a:ext uri="{91240B29-F687-4f45-9708-019B960494DF}">
-                <a14:hiddenLine xmlns:a14="http://schemas.microsoft.com/office/drawing/2010/main" xmlns="" w="9525">
+                <a14:hiddenLine xmlns="" xmlns:a14="http://schemas.microsoft.com/office/drawing/2010/main" w="9525">
                   <a:solidFill>
                     <a:srgbClr val="000000"/>
                   </a:solidFill>
@@ -4283,7 +4303,7 @@
           </a:lstStyle>
           <a:p>
             <a:r>
-              <a:rPr lang="en-US" smtClean="0"/>
+              <a:rPr lang="en-US"/>
               <a:t>Click to edit Master title style</a:t>
             </a:r>
             <a:endParaRPr lang="en-US" dirty="0"/>
@@ -4354,7 +4374,7 @@
           </a:lstStyle>
           <a:p>
             <a:r>
-              <a:rPr lang="en-US" smtClean="0"/>
+              <a:rPr lang="en-US"/>
               <a:t>Click to edit Master subtitle style</a:t>
             </a:r>
             <a:endParaRPr lang="en-US" dirty="0"/>
@@ -4383,7 +4403,7 @@
           <a:p>
             <a:fld id="{48A87A34-81AB-432B-8DAE-1953F412C126}" type="datetimeFigureOut">
               <a:rPr lang="en-US" dirty="0"/>
-              <a:t>6/25/2020</a:t>
+              <a:t>6/26/2020</a:t>
             </a:fld>
             <a:endParaRPr lang="en-US" dirty="0"/>
           </a:p>
@@ -4493,7 +4513,7 @@
           </a:lstStyle>
           <a:p>
             <a:r>
-              <a:rPr lang="en-US" smtClean="0"/>
+              <a:rPr lang="en-US"/>
               <a:t>Click to edit Master title style</a:t>
             </a:r>
             <a:endParaRPr lang="en-US" dirty="0"/>
@@ -4554,7 +4574,7 @@
               <a:buNone/>
             </a:pPr>
             <a:r>
-              <a:rPr lang="en-US" smtClean="0"/>
+              <a:rPr lang="en-US"/>
               <a:t>Click icon to add picture</a:t>
             </a:r>
             <a:endParaRPr lang="en-US" dirty="0"/>
@@ -4622,7 +4642,7 @@
           <a:p>
             <a:pPr lvl="0"/>
             <a:r>
-              <a:rPr lang="en-US" smtClean="0"/>
+              <a:rPr lang="en-US"/>
               <a:t>Edit Master text styles</a:t>
             </a:r>
           </a:p>
@@ -4645,7 +4665,7 @@
           <a:p>
             <a:fld id="{48A87A34-81AB-432B-8DAE-1953F412C126}" type="datetimeFigureOut">
               <a:rPr lang="en-US" dirty="0"/>
-              <a:t>6/25/2020</a:t>
+              <a:t>6/26/2020</a:t>
             </a:fld>
             <a:endParaRPr lang="en-US" dirty="0"/>
           </a:p>
@@ -4745,7 +4765,7 @@
           </a:lstStyle>
           <a:p>
             <a:r>
-              <a:rPr lang="en-US" smtClean="0"/>
+              <a:rPr lang="en-US"/>
               <a:t>Click to edit Master title style</a:t>
             </a:r>
             <a:endParaRPr lang="en-US" dirty="0"/>
@@ -4813,7 +4833,7 @@
           <a:p>
             <a:pPr lvl="0"/>
             <a:r>
-              <a:rPr lang="en-US" smtClean="0"/>
+              <a:rPr lang="en-US"/>
               <a:t>Edit Master text styles</a:t>
             </a:r>
           </a:p>
@@ -4836,7 +4856,7 @@
           <a:p>
             <a:fld id="{48A87A34-81AB-432B-8DAE-1953F412C126}" type="datetimeFigureOut">
               <a:rPr lang="en-US" dirty="0"/>
-              <a:t>6/25/2020</a:t>
+              <a:t>6/26/2020</a:t>
             </a:fld>
             <a:endParaRPr lang="en-US" dirty="0"/>
           </a:p>
@@ -4936,7 +4956,7 @@
           </a:lstStyle>
           <a:p>
             <a:r>
-              <a:rPr lang="en-US" smtClean="0"/>
+              <a:rPr lang="en-US"/>
               <a:t>Click to edit Master title style</a:t>
             </a:r>
             <a:endParaRPr lang="en-US" dirty="0"/>
@@ -5004,7 +5024,7 @@
           <a:p>
             <a:pPr lvl="0"/>
             <a:r>
-              <a:rPr lang="en-US" smtClean="0"/>
+              <a:rPr lang="en-US"/>
               <a:t>Edit Master text styles</a:t>
             </a:r>
           </a:p>
@@ -5071,7 +5091,7 @@
           <a:p>
             <a:pPr lvl="0"/>
             <a:r>
-              <a:rPr lang="en-US" smtClean="0"/>
+              <a:rPr lang="en-US"/>
               <a:t>Edit Master text styles</a:t>
             </a:r>
           </a:p>
@@ -5094,7 +5114,7 @@
           <a:p>
             <a:fld id="{48A87A34-81AB-432B-8DAE-1953F412C126}" type="datetimeFigureOut">
               <a:rPr lang="en-US" dirty="0"/>
-              <a:t>6/25/2020</a:t>
+              <a:t>6/26/2020</a:t>
             </a:fld>
             <a:endParaRPr lang="en-US" dirty="0"/>
           </a:p>
@@ -5432,7 +5452,7 @@
           </a:lstStyle>
           <a:p>
             <a:r>
-              <a:rPr lang="en-US" smtClean="0"/>
+              <a:rPr lang="en-US"/>
               <a:t>Click to edit Master title style</a:t>
             </a:r>
             <a:endParaRPr lang="en-US" dirty="0"/>
@@ -5500,7 +5520,7 @@
           <a:p>
             <a:pPr lvl="0"/>
             <a:r>
-              <a:rPr lang="en-US" smtClean="0"/>
+              <a:rPr lang="en-US"/>
               <a:t>Edit Master text styles</a:t>
             </a:r>
           </a:p>
@@ -5523,7 +5543,7 @@
           <a:p>
             <a:fld id="{48A87A34-81AB-432B-8DAE-1953F412C126}" type="datetimeFigureOut">
               <a:rPr lang="en-US" dirty="0"/>
-              <a:t>6/25/2020</a:t>
+              <a:t>6/26/2020</a:t>
             </a:fld>
             <a:endParaRPr lang="en-US" dirty="0"/>
           </a:p>
@@ -5617,7 +5637,7 @@
           <a:lstStyle/>
           <a:p>
             <a:r>
-              <a:rPr lang="en-US" smtClean="0"/>
+              <a:rPr lang="en-US"/>
               <a:t>Click to edit Master title style</a:t>
             </a:r>
             <a:endParaRPr lang="en-US" dirty="0"/>
@@ -5692,7 +5712,7 @@
           <a:p>
             <a:pPr lvl="0"/>
             <a:r>
-              <a:rPr lang="en-US" smtClean="0"/>
+              <a:rPr lang="en-US"/>
               <a:t>Edit Master text styles</a:t>
             </a:r>
           </a:p>
@@ -5759,7 +5779,7 @@
           <a:p>
             <a:pPr lvl="0"/>
             <a:r>
-              <a:rPr lang="en-US" smtClean="0"/>
+              <a:rPr lang="en-US"/>
               <a:t>Edit Master text styles</a:t>
             </a:r>
           </a:p>
@@ -5833,7 +5853,7 @@
           <a:p>
             <a:pPr lvl="0"/>
             <a:r>
-              <a:rPr lang="en-US" smtClean="0"/>
+              <a:rPr lang="en-US"/>
               <a:t>Edit Master text styles</a:t>
             </a:r>
           </a:p>
@@ -5900,7 +5920,7 @@
           <a:p>
             <a:pPr lvl="0"/>
             <a:r>
-              <a:rPr lang="en-US" smtClean="0"/>
+              <a:rPr lang="en-US"/>
               <a:t>Edit Master text styles</a:t>
             </a:r>
           </a:p>
@@ -5974,7 +5994,7 @@
           <a:p>
             <a:pPr lvl="0"/>
             <a:r>
-              <a:rPr lang="en-US" smtClean="0"/>
+              <a:rPr lang="en-US"/>
               <a:t>Edit Master text styles</a:t>
             </a:r>
           </a:p>
@@ -6041,7 +6061,7 @@
           <a:p>
             <a:pPr lvl="0"/>
             <a:r>
-              <a:rPr lang="en-US" smtClean="0"/>
+              <a:rPr lang="en-US"/>
               <a:t>Edit Master text styles</a:t>
             </a:r>
           </a:p>
@@ -6064,7 +6084,7 @@
           <a:p>
             <a:fld id="{48A87A34-81AB-432B-8DAE-1953F412C126}" type="datetimeFigureOut">
               <a:rPr lang="en-US" dirty="0"/>
-              <a:t>6/25/2020</a:t>
+              <a:t>6/26/2020</a:t>
             </a:fld>
             <a:endParaRPr lang="en-US" dirty="0"/>
           </a:p>
@@ -6158,7 +6178,7 @@
           <a:lstStyle/>
           <a:p>
             <a:r>
-              <a:rPr lang="en-US" smtClean="0"/>
+              <a:rPr lang="en-US"/>
               <a:t>Click to edit Master title style</a:t>
             </a:r>
             <a:endParaRPr lang="en-US" dirty="0"/>
@@ -6233,7 +6253,7 @@
           <a:p>
             <a:pPr lvl="0"/>
             <a:r>
-              <a:rPr lang="en-US" smtClean="0"/>
+              <a:rPr lang="en-US"/>
               <a:t>Edit Master text styles</a:t>
             </a:r>
           </a:p>
@@ -6290,7 +6310,7 @@
               <a:buNone/>
             </a:pPr>
             <a:r>
-              <a:rPr lang="en-US" smtClean="0"/>
+              <a:rPr lang="en-US"/>
               <a:t>Click icon to add picture</a:t>
             </a:r>
             <a:endParaRPr lang="en-US" dirty="0"/>
@@ -6358,7 +6378,7 @@
           <a:p>
             <a:pPr lvl="0"/>
             <a:r>
-              <a:rPr lang="en-US" smtClean="0"/>
+              <a:rPr lang="en-US"/>
               <a:t>Edit Master text styles</a:t>
             </a:r>
           </a:p>
@@ -6432,7 +6452,7 @@
           <a:p>
             <a:pPr lvl="0"/>
             <a:r>
-              <a:rPr lang="en-US" smtClean="0"/>
+              <a:rPr lang="en-US"/>
               <a:t>Edit Master text styles</a:t>
             </a:r>
           </a:p>
@@ -6489,7 +6509,7 @@
               <a:buNone/>
             </a:pPr>
             <a:r>
-              <a:rPr lang="en-US" smtClean="0"/>
+              <a:rPr lang="en-US"/>
               <a:t>Click icon to add picture</a:t>
             </a:r>
             <a:endParaRPr lang="en-US" dirty="0"/>
@@ -6557,7 +6577,7 @@
           <a:p>
             <a:pPr lvl="0"/>
             <a:r>
-              <a:rPr lang="en-US" smtClean="0"/>
+              <a:rPr lang="en-US"/>
               <a:t>Edit Master text styles</a:t>
             </a:r>
           </a:p>
@@ -6631,7 +6651,7 @@
           <a:p>
             <a:pPr lvl="0"/>
             <a:r>
-              <a:rPr lang="en-US" smtClean="0"/>
+              <a:rPr lang="en-US"/>
               <a:t>Edit Master text styles</a:t>
             </a:r>
           </a:p>
@@ -6688,7 +6708,7 @@
               <a:buNone/>
             </a:pPr>
             <a:r>
-              <a:rPr lang="en-US" smtClean="0"/>
+              <a:rPr lang="en-US"/>
               <a:t>Click icon to add picture</a:t>
             </a:r>
             <a:endParaRPr lang="en-US" dirty="0"/>
@@ -6756,7 +6776,7 @@
           <a:p>
             <a:pPr lvl="0"/>
             <a:r>
-              <a:rPr lang="en-US" smtClean="0"/>
+              <a:rPr lang="en-US"/>
               <a:t>Edit Master text styles</a:t>
             </a:r>
           </a:p>
@@ -6779,7 +6799,7 @@
           <a:p>
             <a:fld id="{48A87A34-81AB-432B-8DAE-1953F412C126}" type="datetimeFigureOut">
               <a:rPr lang="en-US" dirty="0"/>
-              <a:t>6/25/2020</a:t>
+              <a:t>6/26/2020</a:t>
             </a:fld>
             <a:endParaRPr lang="en-US" dirty="0"/>
           </a:p>
@@ -6868,7 +6888,7 @@
           <a:lstStyle/>
           <a:p>
             <a:r>
-              <a:rPr lang="en-US" smtClean="0"/>
+              <a:rPr lang="en-US"/>
               <a:t>Click to edit Master title style</a:t>
             </a:r>
             <a:endParaRPr lang="en-US" dirty="0"/>
@@ -6892,35 +6912,35 @@
           <a:p>
             <a:pPr lvl="0"/>
             <a:r>
-              <a:rPr lang="en-US" smtClean="0"/>
+              <a:rPr lang="en-US"/>
               <a:t>Edit Master text styles</a:t>
             </a:r>
           </a:p>
           <a:p>
             <a:pPr lvl="1"/>
             <a:r>
-              <a:rPr lang="en-US" smtClean="0"/>
+              <a:rPr lang="en-US"/>
               <a:t>Second level</a:t>
             </a:r>
           </a:p>
           <a:p>
             <a:pPr lvl="2"/>
             <a:r>
-              <a:rPr lang="en-US" smtClean="0"/>
+              <a:rPr lang="en-US"/>
               <a:t>Third level</a:t>
             </a:r>
           </a:p>
           <a:p>
             <a:pPr lvl="3"/>
             <a:r>
-              <a:rPr lang="en-US" smtClean="0"/>
+              <a:rPr lang="en-US"/>
               <a:t>Fourth level</a:t>
             </a:r>
           </a:p>
           <a:p>
             <a:pPr lvl="4"/>
             <a:r>
-              <a:rPr lang="en-US" smtClean="0"/>
+              <a:rPr lang="en-US"/>
               <a:t>Fifth level</a:t>
             </a:r>
             <a:endParaRPr lang="en-US" dirty="0"/>
@@ -6944,7 +6964,7 @@
           <a:p>
             <a:fld id="{48A87A34-81AB-432B-8DAE-1953F412C126}" type="datetimeFigureOut">
               <a:rPr lang="en-US" dirty="0"/>
-              <a:t>6/25/2020</a:t>
+              <a:t>6/26/2020</a:t>
             </a:fld>
             <a:endParaRPr lang="en-US" dirty="0"/>
           </a:p>
@@ -7038,7 +7058,7 @@
           <a:lstStyle/>
           <a:p>
             <a:r>
-              <a:rPr lang="en-US" smtClean="0"/>
+              <a:rPr lang="en-US"/>
               <a:t>Click to edit Master title style</a:t>
             </a:r>
             <a:endParaRPr lang="en-US" dirty="0"/>
@@ -7067,35 +7087,35 @@
           <a:p>
             <a:pPr lvl="0"/>
             <a:r>
-              <a:rPr lang="en-US" smtClean="0"/>
+              <a:rPr lang="en-US"/>
               <a:t>Edit Master text styles</a:t>
             </a:r>
           </a:p>
           <a:p>
             <a:pPr lvl="1"/>
             <a:r>
-              <a:rPr lang="en-US" smtClean="0"/>
+              <a:rPr lang="en-US"/>
               <a:t>Second level</a:t>
             </a:r>
           </a:p>
           <a:p>
             <a:pPr lvl="2"/>
             <a:r>
-              <a:rPr lang="en-US" smtClean="0"/>
+              <a:rPr lang="en-US"/>
               <a:t>Third level</a:t>
             </a:r>
           </a:p>
           <a:p>
             <a:pPr lvl="3"/>
             <a:r>
-              <a:rPr lang="en-US" smtClean="0"/>
+              <a:rPr lang="en-US"/>
               <a:t>Fourth level</a:t>
             </a:r>
           </a:p>
           <a:p>
             <a:pPr lvl="4"/>
             <a:r>
-              <a:rPr lang="en-US" smtClean="0"/>
+              <a:rPr lang="en-US"/>
               <a:t>Fifth level</a:t>
             </a:r>
             <a:endParaRPr lang="en-US" dirty="0"/>
@@ -7119,7 +7139,7 @@
           <a:p>
             <a:fld id="{48A87A34-81AB-432B-8DAE-1953F412C126}" type="datetimeFigureOut">
               <a:rPr lang="en-US" dirty="0"/>
-              <a:t>6/25/2020</a:t>
+              <a:t>6/26/2020</a:t>
             </a:fld>
             <a:endParaRPr lang="en-US" dirty="0"/>
           </a:p>
@@ -7208,7 +7228,7 @@
           <a:lstStyle/>
           <a:p>
             <a:r>
-              <a:rPr lang="en-US" smtClean="0"/>
+              <a:rPr lang="en-US"/>
               <a:t>Click to edit Master title style</a:t>
             </a:r>
             <a:endParaRPr lang="en-US" dirty="0"/>
@@ -7232,35 +7252,35 @@
           <a:p>
             <a:pPr lvl="0"/>
             <a:r>
-              <a:rPr lang="en-US" smtClean="0"/>
+              <a:rPr lang="en-US"/>
               <a:t>Edit Master text styles</a:t>
             </a:r>
           </a:p>
           <a:p>
             <a:pPr lvl="1"/>
             <a:r>
-              <a:rPr lang="en-US" smtClean="0"/>
+              <a:rPr lang="en-US"/>
               <a:t>Second level</a:t>
             </a:r>
           </a:p>
           <a:p>
             <a:pPr lvl="2"/>
             <a:r>
-              <a:rPr lang="en-US" smtClean="0"/>
+              <a:rPr lang="en-US"/>
               <a:t>Third level</a:t>
             </a:r>
           </a:p>
           <a:p>
             <a:pPr lvl="3"/>
             <a:r>
-              <a:rPr lang="en-US" smtClean="0"/>
+              <a:rPr lang="en-US"/>
               <a:t>Fourth level</a:t>
             </a:r>
           </a:p>
           <a:p>
             <a:pPr lvl="4"/>
             <a:r>
-              <a:rPr lang="en-US" smtClean="0"/>
+              <a:rPr lang="en-US"/>
               <a:t>Fifth level</a:t>
             </a:r>
             <a:endParaRPr lang="en-US" dirty="0"/>
@@ -7284,7 +7304,7 @@
           <a:p>
             <a:fld id="{48A87A34-81AB-432B-8DAE-1953F412C126}" type="datetimeFigureOut">
               <a:rPr lang="en-US" dirty="0"/>
-              <a:t>6/25/2020</a:t>
+              <a:t>6/26/2020</a:t>
             </a:fld>
             <a:endParaRPr lang="en-US" dirty="0"/>
           </a:p>
@@ -7384,7 +7404,7 @@
           </a:lstStyle>
           <a:p>
             <a:r>
-              <a:rPr lang="en-US" smtClean="0"/>
+              <a:rPr lang="en-US"/>
               <a:t>Click to edit Master title style</a:t>
             </a:r>
             <a:endParaRPr lang="en-US" dirty="0"/>
@@ -7506,7 +7526,7 @@
           <a:p>
             <a:pPr lvl="0"/>
             <a:r>
-              <a:rPr lang="en-US" smtClean="0"/>
+              <a:rPr lang="en-US"/>
               <a:t>Edit Master text styles</a:t>
             </a:r>
           </a:p>
@@ -7529,7 +7549,7 @@
           <a:p>
             <a:fld id="{48A87A34-81AB-432B-8DAE-1953F412C126}" type="datetimeFigureOut">
               <a:rPr lang="en-US" dirty="0"/>
-              <a:t>6/25/2020</a:t>
+              <a:t>6/26/2020</a:t>
             </a:fld>
             <a:endParaRPr lang="en-US" dirty="0"/>
           </a:p>
@@ -7618,7 +7638,7 @@
           <a:lstStyle/>
           <a:p>
             <a:r>
-              <a:rPr lang="en-US" smtClean="0"/>
+              <a:rPr lang="en-US"/>
               <a:t>Click to edit Master title style</a:t>
             </a:r>
             <a:endParaRPr lang="en-US" dirty="0"/>
@@ -7647,35 +7667,35 @@
           <a:p>
             <a:pPr lvl="0"/>
             <a:r>
-              <a:rPr lang="en-US" smtClean="0"/>
+              <a:rPr lang="en-US"/>
               <a:t>Edit Master text styles</a:t>
             </a:r>
           </a:p>
           <a:p>
             <a:pPr lvl="1"/>
             <a:r>
-              <a:rPr lang="en-US" smtClean="0"/>
+              <a:rPr lang="en-US"/>
               <a:t>Second level</a:t>
             </a:r>
           </a:p>
           <a:p>
             <a:pPr lvl="2"/>
             <a:r>
-              <a:rPr lang="en-US" smtClean="0"/>
+              <a:rPr lang="en-US"/>
               <a:t>Third level</a:t>
             </a:r>
           </a:p>
           <a:p>
             <a:pPr lvl="3"/>
             <a:r>
-              <a:rPr lang="en-US" smtClean="0"/>
+              <a:rPr lang="en-US"/>
               <a:t>Fourth level</a:t>
             </a:r>
           </a:p>
           <a:p>
             <a:pPr lvl="4"/>
             <a:r>
-              <a:rPr lang="en-US" smtClean="0"/>
+              <a:rPr lang="en-US"/>
               <a:t>Fifth level</a:t>
             </a:r>
             <a:endParaRPr lang="en-US" dirty="0"/>
@@ -7704,35 +7724,35 @@
           <a:p>
             <a:pPr lvl="0"/>
             <a:r>
-              <a:rPr lang="en-US" smtClean="0"/>
+              <a:rPr lang="en-US"/>
               <a:t>Edit Master text styles</a:t>
             </a:r>
           </a:p>
           <a:p>
             <a:pPr lvl="1"/>
             <a:r>
-              <a:rPr lang="en-US" smtClean="0"/>
+              <a:rPr lang="en-US"/>
               <a:t>Second level</a:t>
             </a:r>
           </a:p>
           <a:p>
             <a:pPr lvl="2"/>
             <a:r>
-              <a:rPr lang="en-US" smtClean="0"/>
+              <a:rPr lang="en-US"/>
               <a:t>Third level</a:t>
             </a:r>
           </a:p>
           <a:p>
             <a:pPr lvl="3"/>
             <a:r>
-              <a:rPr lang="en-US" smtClean="0"/>
+              <a:rPr lang="en-US"/>
               <a:t>Fourth level</a:t>
             </a:r>
           </a:p>
           <a:p>
             <a:pPr lvl="4"/>
             <a:r>
-              <a:rPr lang="en-US" smtClean="0"/>
+              <a:rPr lang="en-US"/>
               <a:t>Fifth level</a:t>
             </a:r>
             <a:endParaRPr lang="en-US" dirty="0"/>
@@ -7756,7 +7776,7 @@
           <a:p>
             <a:fld id="{48A87A34-81AB-432B-8DAE-1953F412C126}" type="datetimeFigureOut">
               <a:rPr lang="en-US" dirty="0"/>
-              <a:t>6/25/2020</a:t>
+              <a:t>6/26/2020</a:t>
             </a:fld>
             <a:endParaRPr lang="en-US" dirty="0"/>
           </a:p>
@@ -7850,7 +7870,7 @@
           <a:lstStyle/>
           <a:p>
             <a:r>
-              <a:rPr lang="en-US" smtClean="0"/>
+              <a:rPr lang="en-US"/>
               <a:t>Click to edit Master title style</a:t>
             </a:r>
             <a:endParaRPr lang="en-US" dirty="0"/>
@@ -7923,7 +7943,7 @@
           <a:p>
             <a:pPr lvl="0"/>
             <a:r>
-              <a:rPr lang="en-US" smtClean="0"/>
+              <a:rPr lang="en-US"/>
               <a:t>Edit Master text styles</a:t>
             </a:r>
           </a:p>
@@ -7951,35 +7971,35 @@
           <a:p>
             <a:pPr lvl="0"/>
             <a:r>
-              <a:rPr lang="en-US" smtClean="0"/>
+              <a:rPr lang="en-US"/>
               <a:t>Edit Master text styles</a:t>
             </a:r>
           </a:p>
           <a:p>
             <a:pPr lvl="1"/>
             <a:r>
-              <a:rPr lang="en-US" smtClean="0"/>
+              <a:rPr lang="en-US"/>
               <a:t>Second level</a:t>
             </a:r>
           </a:p>
           <a:p>
             <a:pPr lvl="2"/>
             <a:r>
-              <a:rPr lang="en-US" smtClean="0"/>
+              <a:rPr lang="en-US"/>
               <a:t>Third level</a:t>
             </a:r>
           </a:p>
           <a:p>
             <a:pPr lvl="3"/>
             <a:r>
-              <a:rPr lang="en-US" smtClean="0"/>
+              <a:rPr lang="en-US"/>
               <a:t>Fourth level</a:t>
             </a:r>
           </a:p>
           <a:p>
             <a:pPr lvl="4"/>
             <a:r>
-              <a:rPr lang="en-US" smtClean="0"/>
+              <a:rPr lang="en-US"/>
               <a:t>Fifth level</a:t>
             </a:r>
             <a:endParaRPr lang="en-US" dirty="0"/>
@@ -8052,7 +8072,7 @@
           <a:p>
             <a:pPr lvl="0"/>
             <a:r>
-              <a:rPr lang="en-US" smtClean="0"/>
+              <a:rPr lang="en-US"/>
               <a:t>Edit Master text styles</a:t>
             </a:r>
           </a:p>
@@ -8080,35 +8100,35 @@
           <a:p>
             <a:pPr lvl="0"/>
             <a:r>
-              <a:rPr lang="en-US" smtClean="0"/>
+              <a:rPr lang="en-US"/>
               <a:t>Edit Master text styles</a:t>
             </a:r>
           </a:p>
           <a:p>
             <a:pPr lvl="1"/>
             <a:r>
-              <a:rPr lang="en-US" smtClean="0"/>
+              <a:rPr lang="en-US"/>
               <a:t>Second level</a:t>
             </a:r>
           </a:p>
           <a:p>
             <a:pPr lvl="2"/>
             <a:r>
-              <a:rPr lang="en-US" smtClean="0"/>
+              <a:rPr lang="en-US"/>
               <a:t>Third level</a:t>
             </a:r>
           </a:p>
           <a:p>
             <a:pPr lvl="3"/>
             <a:r>
-              <a:rPr lang="en-US" smtClean="0"/>
+              <a:rPr lang="en-US"/>
               <a:t>Fourth level</a:t>
             </a:r>
           </a:p>
           <a:p>
             <a:pPr lvl="4"/>
             <a:r>
-              <a:rPr lang="en-US" smtClean="0"/>
+              <a:rPr lang="en-US"/>
               <a:t>Fifth level</a:t>
             </a:r>
             <a:endParaRPr lang="en-US" dirty="0"/>
@@ -8132,7 +8152,7 @@
           <a:p>
             <a:fld id="{48A87A34-81AB-432B-8DAE-1953F412C126}" type="datetimeFigureOut">
               <a:rPr lang="en-US" dirty="0"/>
-              <a:t>6/25/2020</a:t>
+              <a:t>6/26/2020</a:t>
             </a:fld>
             <a:endParaRPr lang="en-US" dirty="0"/>
           </a:p>
@@ -8221,7 +8241,7 @@
           <a:lstStyle/>
           <a:p>
             <a:r>
-              <a:rPr lang="en-US" smtClean="0"/>
+              <a:rPr lang="en-US"/>
               <a:t>Click to edit Master title style</a:t>
             </a:r>
             <a:endParaRPr lang="en-US" dirty="0"/>
@@ -8245,7 +8265,7 @@
           <a:p>
             <a:fld id="{48A87A34-81AB-432B-8DAE-1953F412C126}" type="datetimeFigureOut">
               <a:rPr lang="en-US" dirty="0"/>
-              <a:t>6/25/2020</a:t>
+              <a:t>6/26/2020</a:t>
             </a:fld>
             <a:endParaRPr lang="en-US" dirty="0"/>
           </a:p>
@@ -8335,7 +8355,7 @@
           <a:p>
             <a:fld id="{48A87A34-81AB-432B-8DAE-1953F412C126}" type="datetimeFigureOut">
               <a:rPr lang="en-US" dirty="0"/>
-              <a:t>6/25/2020</a:t>
+              <a:t>6/26/2020</a:t>
             </a:fld>
             <a:endParaRPr lang="en-US" dirty="0"/>
           </a:p>
@@ -8433,7 +8453,7 @@
           </a:lstStyle>
           <a:p>
             <a:r>
-              <a:rPr lang="en-US" smtClean="0"/>
+              <a:rPr lang="en-US"/>
               <a:t>Click to edit Master title style</a:t>
             </a:r>
             <a:endParaRPr lang="en-US" dirty="0"/>
@@ -8462,35 +8482,35 @@
           <a:p>
             <a:pPr lvl="0"/>
             <a:r>
-              <a:rPr lang="en-US" smtClean="0"/>
+              <a:rPr lang="en-US"/>
               <a:t>Edit Master text styles</a:t>
             </a:r>
           </a:p>
           <a:p>
             <a:pPr lvl="1"/>
             <a:r>
-              <a:rPr lang="en-US" smtClean="0"/>
+              <a:rPr lang="en-US"/>
               <a:t>Second level</a:t>
             </a:r>
           </a:p>
           <a:p>
             <a:pPr lvl="2"/>
             <a:r>
-              <a:rPr lang="en-US" smtClean="0"/>
+              <a:rPr lang="en-US"/>
               <a:t>Third level</a:t>
             </a:r>
           </a:p>
           <a:p>
             <a:pPr lvl="3"/>
             <a:r>
-              <a:rPr lang="en-US" smtClean="0"/>
+              <a:rPr lang="en-US"/>
               <a:t>Fourth level</a:t>
             </a:r>
           </a:p>
           <a:p>
             <a:pPr lvl="4"/>
             <a:r>
-              <a:rPr lang="en-US" smtClean="0"/>
+              <a:rPr lang="en-US"/>
               <a:t>Fifth level</a:t>
             </a:r>
             <a:endParaRPr lang="en-US" dirty="0"/>
@@ -8556,7 +8576,7 @@
           <a:p>
             <a:pPr lvl="0"/>
             <a:r>
-              <a:rPr lang="en-US" smtClean="0"/>
+              <a:rPr lang="en-US"/>
               <a:t>Edit Master text styles</a:t>
             </a:r>
           </a:p>
@@ -8579,7 +8599,7 @@
           <a:p>
             <a:fld id="{48A87A34-81AB-432B-8DAE-1953F412C126}" type="datetimeFigureOut">
               <a:rPr lang="en-US" dirty="0"/>
-              <a:t>6/25/2020</a:t>
+              <a:t>6/26/2020</a:t>
             </a:fld>
             <a:endParaRPr lang="en-US" dirty="0"/>
           </a:p>
@@ -8677,7 +8697,7 @@
           </a:lstStyle>
           <a:p>
             <a:r>
-              <a:rPr lang="en-US" smtClean="0"/>
+              <a:rPr lang="en-US"/>
               <a:t>Click to edit Master title style</a:t>
             </a:r>
             <a:endParaRPr lang="en-US" dirty="0"/>
@@ -8765,7 +8785,7 @@
           </a:lstStyle>
           <a:p>
             <a:r>
-              <a:rPr lang="en-US" smtClean="0"/>
+              <a:rPr lang="en-US"/>
               <a:t>Click icon to add picture</a:t>
             </a:r>
             <a:endParaRPr lang="en-US" dirty="0"/>
@@ -8831,7 +8851,7 @@
           <a:p>
             <a:pPr lvl="0"/>
             <a:r>
-              <a:rPr lang="en-US" smtClean="0"/>
+              <a:rPr lang="en-US"/>
               <a:t>Edit Master text styles</a:t>
             </a:r>
           </a:p>
@@ -8854,7 +8874,7 @@
           <a:p>
             <a:fld id="{48A87A34-81AB-432B-8DAE-1953F412C126}" type="datetimeFigureOut">
               <a:rPr lang="en-US" dirty="0"/>
-              <a:t>6/25/2020</a:t>
+              <a:t>6/26/2020</a:t>
             </a:fld>
             <a:endParaRPr lang="en-US" dirty="0"/>
           </a:p>
@@ -8965,7 +8985,7 @@
           <a:noFill/>
           <a:extLst>
             <a:ext uri="{909E8E84-426E-40dd-AFC4-6F175D3DCCD1}">
-              <a14:hiddenFill xmlns:a14="http://schemas.microsoft.com/office/drawing/2010/main" xmlns="">
+              <a14:hiddenFill xmlns="" xmlns:a14="http://schemas.microsoft.com/office/drawing/2010/main">
                 <a:solidFill>
                   <a:srgbClr val="FFFFFF"/>
                 </a:solidFill>
@@ -9039,7 +9059,7 @@
               </a:ln>
               <a:extLst>
                 <a:ext uri="{91240B29-F687-4f45-9708-019B960494DF}">
-                  <a14:hiddenLine xmlns:a14="http://schemas.microsoft.com/office/drawing/2010/main" xmlns="" w="9525">
+                  <a14:hiddenLine xmlns="" xmlns:a14="http://schemas.microsoft.com/office/drawing/2010/main" w="9525">
                     <a:solidFill>
                       <a:srgbClr val="000000"/>
                     </a:solidFill>
@@ -9129,7 +9149,7 @@
               </a:ln>
               <a:extLst>
                 <a:ext uri="{91240B29-F687-4f45-9708-019B960494DF}">
-                  <a14:hiddenLine xmlns:a14="http://schemas.microsoft.com/office/drawing/2010/main" xmlns="" w="9525">
+                  <a14:hiddenLine xmlns="" xmlns:a14="http://schemas.microsoft.com/office/drawing/2010/main" w="9525">
                     <a:solidFill>
                       <a:srgbClr val="000000"/>
                     </a:solidFill>
@@ -9219,7 +9239,7 @@
               </a:ln>
               <a:extLst>
                 <a:ext uri="{91240B29-F687-4f45-9708-019B960494DF}">
-                  <a14:hiddenLine xmlns:a14="http://schemas.microsoft.com/office/drawing/2010/main" xmlns="" w="9525">
+                  <a14:hiddenLine xmlns="" xmlns:a14="http://schemas.microsoft.com/office/drawing/2010/main" w="9525">
                     <a:solidFill>
                       <a:srgbClr val="000000"/>
                     </a:solidFill>
@@ -9281,7 +9301,7 @@
               </a:ln>
               <a:extLst>
                 <a:ext uri="{91240B29-F687-4f45-9708-019B960494DF}">
-                  <a14:hiddenLine xmlns:a14="http://schemas.microsoft.com/office/drawing/2010/main" xmlns="" w="9525">
+                  <a14:hiddenLine xmlns="" xmlns:a14="http://schemas.microsoft.com/office/drawing/2010/main" w="9525">
                     <a:solidFill>
                       <a:srgbClr val="000000"/>
                     </a:solidFill>
@@ -9371,7 +9391,7 @@
               </a:ln>
               <a:extLst>
                 <a:ext uri="{91240B29-F687-4f45-9708-019B960494DF}">
-                  <a14:hiddenLine xmlns:a14="http://schemas.microsoft.com/office/drawing/2010/main" xmlns="" w="9525">
+                  <a14:hiddenLine xmlns="" xmlns:a14="http://schemas.microsoft.com/office/drawing/2010/main" w="9525">
                     <a:solidFill>
                       <a:srgbClr val="000000"/>
                     </a:solidFill>
@@ -9433,7 +9453,7 @@
               </a:ln>
               <a:extLst>
                 <a:ext uri="{91240B29-F687-4f45-9708-019B960494DF}">
-                  <a14:hiddenLine xmlns:a14="http://schemas.microsoft.com/office/drawing/2010/main" xmlns="" w="9525">
+                  <a14:hiddenLine xmlns="" xmlns:a14="http://schemas.microsoft.com/office/drawing/2010/main" w="9525">
                     <a:solidFill>
                       <a:srgbClr val="000000"/>
                     </a:solidFill>
@@ -9495,7 +9515,7 @@
               </a:ln>
               <a:extLst>
                 <a:ext uri="{91240B29-F687-4f45-9708-019B960494DF}">
-                  <a14:hiddenLine xmlns:a14="http://schemas.microsoft.com/office/drawing/2010/main" xmlns="" w="9525">
+                  <a14:hiddenLine xmlns="" xmlns:a14="http://schemas.microsoft.com/office/drawing/2010/main" w="9525">
                     <a:solidFill>
                       <a:srgbClr val="000000"/>
                     </a:solidFill>
@@ -9585,7 +9605,7 @@
               </a:ln>
               <a:extLst>
                 <a:ext uri="{91240B29-F687-4f45-9708-019B960494DF}">
-                  <a14:hiddenLine xmlns:a14="http://schemas.microsoft.com/office/drawing/2010/main" xmlns="" w="9525">
+                  <a14:hiddenLine xmlns="" xmlns:a14="http://schemas.microsoft.com/office/drawing/2010/main" w="9525">
                     <a:solidFill>
                       <a:srgbClr val="000000"/>
                     </a:solidFill>
@@ -9675,7 +9695,7 @@
               </a:ln>
               <a:extLst>
                 <a:ext uri="{91240B29-F687-4f45-9708-019B960494DF}">
-                  <a14:hiddenLine xmlns:a14="http://schemas.microsoft.com/office/drawing/2010/main" xmlns="" w="9525">
+                  <a14:hiddenLine xmlns="" xmlns:a14="http://schemas.microsoft.com/office/drawing/2010/main" w="9525">
                     <a:solidFill>
                       <a:srgbClr val="000000"/>
                     </a:solidFill>
@@ -9737,7 +9757,7 @@
               </a:ln>
               <a:extLst>
                 <a:ext uri="{91240B29-F687-4f45-9708-019B960494DF}">
-                  <a14:hiddenLine xmlns:a14="http://schemas.microsoft.com/office/drawing/2010/main" xmlns="" w="9525">
+                  <a14:hiddenLine xmlns="" xmlns:a14="http://schemas.microsoft.com/office/drawing/2010/main" w="9525">
                     <a:solidFill>
                       <a:srgbClr val="000000"/>
                     </a:solidFill>
@@ -9847,7 +9867,7 @@
               </a:ln>
               <a:extLst>
                 <a:ext uri="{91240B29-F687-4f45-9708-019B960494DF}">
-                  <a14:hiddenLine xmlns:a14="http://schemas.microsoft.com/office/drawing/2010/main" xmlns="" w="9525">
+                  <a14:hiddenLine xmlns="" xmlns:a14="http://schemas.microsoft.com/office/drawing/2010/main" w="9525">
                     <a:solidFill>
                       <a:srgbClr val="000000"/>
                     </a:solidFill>
@@ -9931,7 +9951,7 @@
               </a:ln>
               <a:extLst>
                 <a:ext uri="{91240B29-F687-4f45-9708-019B960494DF}">
-                  <a14:hiddenLine xmlns:a14="http://schemas.microsoft.com/office/drawing/2010/main" xmlns="" w="9525">
+                  <a14:hiddenLine xmlns="" xmlns:a14="http://schemas.microsoft.com/office/drawing/2010/main" w="9525">
                     <a:solidFill>
                       <a:srgbClr val="000000"/>
                     </a:solidFill>
@@ -9993,7 +10013,7 @@
               </a:ln>
               <a:extLst>
                 <a:ext uri="{91240B29-F687-4f45-9708-019B960494DF}">
-                  <a14:hiddenLine xmlns:a14="http://schemas.microsoft.com/office/drawing/2010/main" xmlns="" w="9525">
+                  <a14:hiddenLine xmlns="" xmlns:a14="http://schemas.microsoft.com/office/drawing/2010/main" w="9525">
                     <a:solidFill>
                       <a:srgbClr val="000000"/>
                     </a:solidFill>
@@ -10055,7 +10075,7 @@
               </a:ln>
               <a:extLst>
                 <a:ext uri="{91240B29-F687-4f45-9708-019B960494DF}">
-                  <a14:hiddenLine xmlns:a14="http://schemas.microsoft.com/office/drawing/2010/main" xmlns="" w="9525">
+                  <a14:hiddenLine xmlns="" xmlns:a14="http://schemas.microsoft.com/office/drawing/2010/main" w="9525">
                     <a:solidFill>
                       <a:srgbClr val="000000"/>
                     </a:solidFill>
@@ -10145,7 +10165,7 @@
               </a:ln>
               <a:extLst>
                 <a:ext uri="{91240B29-F687-4f45-9708-019B960494DF}">
-                  <a14:hiddenLine xmlns:a14="http://schemas.microsoft.com/office/drawing/2010/main" xmlns="" w="9525">
+                  <a14:hiddenLine xmlns="" xmlns:a14="http://schemas.microsoft.com/office/drawing/2010/main" w="9525">
                     <a:solidFill>
                       <a:srgbClr val="000000"/>
                     </a:solidFill>
@@ -10179,7 +10199,7 @@
               </a:ln>
               <a:extLst>
                 <a:ext uri="{91240B29-F687-4f45-9708-019B960494DF}">
-                  <a14:hiddenLine xmlns:a14="http://schemas.microsoft.com/office/drawing/2010/main" xmlns="" w="9525">
+                  <a14:hiddenLine xmlns="" xmlns:a14="http://schemas.microsoft.com/office/drawing/2010/main" w="9525">
                     <a:solidFill>
                       <a:srgbClr val="000000"/>
                     </a:solidFill>
@@ -10244,7 +10264,7 @@
               </a:ln>
               <a:extLst>
                 <a:ext uri="{91240B29-F687-4f45-9708-019B960494DF}">
-                  <a14:hiddenLine xmlns:a14="http://schemas.microsoft.com/office/drawing/2010/main" xmlns="" w="9525">
+                  <a14:hiddenLine xmlns="" xmlns:a14="http://schemas.microsoft.com/office/drawing/2010/main" w="9525">
                     <a:solidFill>
                       <a:srgbClr val="000000"/>
                     </a:solidFill>
@@ -10334,7 +10354,7 @@
               </a:ln>
               <a:extLst>
                 <a:ext uri="{91240B29-F687-4f45-9708-019B960494DF}">
-                  <a14:hiddenLine xmlns:a14="http://schemas.microsoft.com/office/drawing/2010/main" xmlns="" w="9525">
+                  <a14:hiddenLine xmlns="" xmlns:a14="http://schemas.microsoft.com/office/drawing/2010/main" w="9525">
                     <a:solidFill>
                       <a:srgbClr val="000000"/>
                     </a:solidFill>
@@ -10396,7 +10416,7 @@
               </a:ln>
               <a:extLst>
                 <a:ext uri="{91240B29-F687-4f45-9708-019B960494DF}">
-                  <a14:hiddenLine xmlns:a14="http://schemas.microsoft.com/office/drawing/2010/main" xmlns="" w="9525">
+                  <a14:hiddenLine xmlns="" xmlns:a14="http://schemas.microsoft.com/office/drawing/2010/main" w="9525">
                     <a:solidFill>
                       <a:srgbClr val="000000"/>
                     </a:solidFill>
@@ -10486,7 +10506,7 @@
               </a:ln>
               <a:extLst>
                 <a:ext uri="{91240B29-F687-4f45-9708-019B960494DF}">
-                  <a14:hiddenLine xmlns:a14="http://schemas.microsoft.com/office/drawing/2010/main" xmlns="" w="9525">
+                  <a14:hiddenLine xmlns="" xmlns:a14="http://schemas.microsoft.com/office/drawing/2010/main" w="9525">
                     <a:solidFill>
                       <a:srgbClr val="000000"/>
                     </a:solidFill>
@@ -10551,7 +10571,7 @@
               </a:ln>
               <a:extLst>
                 <a:ext uri="{91240B29-F687-4f45-9708-019B960494DF}">
-                  <a14:hiddenLine xmlns:a14="http://schemas.microsoft.com/office/drawing/2010/main" xmlns="" w="9525">
+                  <a14:hiddenLine xmlns="" xmlns:a14="http://schemas.microsoft.com/office/drawing/2010/main" w="9525">
                     <a:solidFill>
                       <a:srgbClr val="000000"/>
                     </a:solidFill>
@@ -10613,7 +10633,7 @@
               </a:ln>
               <a:extLst>
                 <a:ext uri="{91240B29-F687-4f45-9708-019B960494DF}">
-                  <a14:hiddenLine xmlns:a14="http://schemas.microsoft.com/office/drawing/2010/main" xmlns="" w="9525">
+                  <a14:hiddenLine xmlns="" xmlns:a14="http://schemas.microsoft.com/office/drawing/2010/main" w="9525">
                     <a:solidFill>
                       <a:srgbClr val="000000"/>
                     </a:solidFill>
@@ -10703,7 +10723,7 @@
               </a:ln>
               <a:extLst>
                 <a:ext uri="{91240B29-F687-4f45-9708-019B960494DF}">
-                  <a14:hiddenLine xmlns:a14="http://schemas.microsoft.com/office/drawing/2010/main" xmlns="" w="9525">
+                  <a14:hiddenLine xmlns="" xmlns:a14="http://schemas.microsoft.com/office/drawing/2010/main" w="9525">
                     <a:solidFill>
                       <a:srgbClr val="000000"/>
                     </a:solidFill>
@@ -10793,7 +10813,7 @@
               </a:ln>
               <a:extLst>
                 <a:ext uri="{91240B29-F687-4f45-9708-019B960494DF}">
-                  <a14:hiddenLine xmlns:a14="http://schemas.microsoft.com/office/drawing/2010/main" xmlns="" w="9525">
+                  <a14:hiddenLine xmlns="" xmlns:a14="http://schemas.microsoft.com/office/drawing/2010/main" w="9525">
                     <a:solidFill>
                       <a:srgbClr val="000000"/>
                     </a:solidFill>
@@ -10858,7 +10878,7 @@
               </a:ln>
               <a:extLst>
                 <a:ext uri="{91240B29-F687-4f45-9708-019B960494DF}">
-                  <a14:hiddenLine xmlns:a14="http://schemas.microsoft.com/office/drawing/2010/main" xmlns="" w="9525">
+                  <a14:hiddenLine xmlns="" xmlns:a14="http://schemas.microsoft.com/office/drawing/2010/main" w="9525">
                     <a:solidFill>
                       <a:srgbClr val="000000"/>
                     </a:solidFill>
@@ -10978,7 +10998,7 @@
               </a:ln>
               <a:extLst>
                 <a:ext uri="{91240B29-F687-4f45-9708-019B960494DF}">
-                  <a14:hiddenLine xmlns:a14="http://schemas.microsoft.com/office/drawing/2010/main" xmlns="" w="9525">
+                  <a14:hiddenLine xmlns="" xmlns:a14="http://schemas.microsoft.com/office/drawing/2010/main" w="9525">
                     <a:solidFill>
                       <a:srgbClr val="000000"/>
                     </a:solidFill>
@@ -11076,7 +11096,7 @@
               </a:ln>
               <a:extLst>
                 <a:ext uri="{91240B29-F687-4f45-9708-019B960494DF}">
-                  <a14:hiddenLine xmlns:a14="http://schemas.microsoft.com/office/drawing/2010/main" xmlns="" w="9525">
+                  <a14:hiddenLine xmlns="" xmlns:a14="http://schemas.microsoft.com/office/drawing/2010/main" w="9525">
                     <a:solidFill>
                       <a:srgbClr val="000000"/>
                     </a:solidFill>
@@ -11191,7 +11211,7 @@
               </a:ln>
               <a:extLst>
                 <a:ext uri="{91240B29-F687-4f45-9708-019B960494DF}">
-                  <a14:hiddenLine xmlns:a14="http://schemas.microsoft.com/office/drawing/2010/main" xmlns="" w="9525">
+                  <a14:hiddenLine xmlns="" xmlns:a14="http://schemas.microsoft.com/office/drawing/2010/main" w="9525">
                     <a:solidFill>
                       <a:srgbClr val="000000"/>
                     </a:solidFill>
@@ -11281,7 +11301,7 @@
               </a:ln>
               <a:extLst>
                 <a:ext uri="{91240B29-F687-4f45-9708-019B960494DF}">
-                  <a14:hiddenLine xmlns:a14="http://schemas.microsoft.com/office/drawing/2010/main" xmlns="" w="9525">
+                  <a14:hiddenLine xmlns="" xmlns:a14="http://schemas.microsoft.com/office/drawing/2010/main" w="9525">
                     <a:solidFill>
                       <a:srgbClr val="000000"/>
                     </a:solidFill>
@@ -11346,7 +11366,7 @@
               </a:ln>
               <a:extLst>
                 <a:ext uri="{91240B29-F687-4f45-9708-019B960494DF}">
-                  <a14:hiddenLine xmlns:a14="http://schemas.microsoft.com/office/drawing/2010/main" xmlns="" w="9525">
+                  <a14:hiddenLine xmlns="" xmlns:a14="http://schemas.microsoft.com/office/drawing/2010/main" w="9525">
                     <a:solidFill>
                       <a:srgbClr val="000000"/>
                     </a:solidFill>
@@ -11436,7 +11456,7 @@
               </a:ln>
               <a:extLst>
                 <a:ext uri="{91240B29-F687-4f45-9708-019B960494DF}">
-                  <a14:hiddenLine xmlns:a14="http://schemas.microsoft.com/office/drawing/2010/main" xmlns="" w="9525">
+                  <a14:hiddenLine xmlns="" xmlns:a14="http://schemas.microsoft.com/office/drawing/2010/main" w="9525">
                     <a:solidFill>
                       <a:srgbClr val="000000"/>
                     </a:solidFill>
@@ -11504,7 +11524,7 @@
               </a:ln>
               <a:extLst>
                 <a:ext uri="{91240B29-F687-4f45-9708-019B960494DF}">
-                  <a14:hiddenLine xmlns:a14="http://schemas.microsoft.com/office/drawing/2010/main" xmlns="" w="9525">
+                  <a14:hiddenLine xmlns="" xmlns:a14="http://schemas.microsoft.com/office/drawing/2010/main" w="9525">
                     <a:solidFill>
                       <a:srgbClr val="000000"/>
                     </a:solidFill>
@@ -11594,7 +11614,7 @@
               </a:ln>
               <a:extLst>
                 <a:ext uri="{91240B29-F687-4f45-9708-019B960494DF}">
-                  <a14:hiddenLine xmlns:a14="http://schemas.microsoft.com/office/drawing/2010/main" xmlns="" w="9525">
+                  <a14:hiddenLine xmlns="" xmlns:a14="http://schemas.microsoft.com/office/drawing/2010/main" w="9525">
                     <a:solidFill>
                       <a:srgbClr val="000000"/>
                     </a:solidFill>
@@ -11662,7 +11682,7 @@
               </a:ln>
               <a:extLst>
                 <a:ext uri="{91240B29-F687-4f45-9708-019B960494DF}">
-                  <a14:hiddenLine xmlns:a14="http://schemas.microsoft.com/office/drawing/2010/main" xmlns="" w="9525">
+                  <a14:hiddenLine xmlns="" xmlns:a14="http://schemas.microsoft.com/office/drawing/2010/main" w="9525">
                     <a:solidFill>
                       <a:srgbClr val="000000"/>
                     </a:solidFill>
@@ -11752,7 +11772,7 @@
               </a:ln>
               <a:extLst>
                 <a:ext uri="{91240B29-F687-4f45-9708-019B960494DF}">
-                  <a14:hiddenLine xmlns:a14="http://schemas.microsoft.com/office/drawing/2010/main" xmlns="" w="9525">
+                  <a14:hiddenLine xmlns="" xmlns:a14="http://schemas.microsoft.com/office/drawing/2010/main" w="9525">
                     <a:solidFill>
                       <a:srgbClr val="000000"/>
                     </a:solidFill>
@@ -11786,7 +11806,7 @@
               </a:ln>
               <a:extLst>
                 <a:ext uri="{91240B29-F687-4f45-9708-019B960494DF}">
-                  <a14:hiddenLine xmlns:a14="http://schemas.microsoft.com/office/drawing/2010/main" xmlns="" w="9525">
+                  <a14:hiddenLine xmlns="" xmlns:a14="http://schemas.microsoft.com/office/drawing/2010/main" w="9525">
                     <a:solidFill>
                       <a:srgbClr val="000000"/>
                     </a:solidFill>
@@ -11856,35 +11876,35 @@
           <a:p>
             <a:pPr lvl="0"/>
             <a:r>
-              <a:rPr lang="en-US" smtClean="0"/>
+              <a:rPr lang="en-US"/>
               <a:t>Edit Master text styles</a:t>
             </a:r>
           </a:p>
           <a:p>
             <a:pPr lvl="1"/>
             <a:r>
-              <a:rPr lang="en-US" smtClean="0"/>
+              <a:rPr lang="en-US"/>
               <a:t>Second level</a:t>
             </a:r>
           </a:p>
           <a:p>
             <a:pPr lvl="2"/>
             <a:r>
-              <a:rPr lang="en-US" smtClean="0"/>
+              <a:rPr lang="en-US"/>
               <a:t>Third level</a:t>
             </a:r>
           </a:p>
           <a:p>
             <a:pPr lvl="3"/>
             <a:r>
-              <a:rPr lang="en-US" smtClean="0"/>
+              <a:rPr lang="en-US"/>
               <a:t>Fourth level</a:t>
             </a:r>
           </a:p>
           <a:p>
             <a:pPr lvl="4"/>
             <a:r>
-              <a:rPr lang="en-US" smtClean="0"/>
+              <a:rPr lang="en-US"/>
               <a:t>Fifth level</a:t>
             </a:r>
             <a:endParaRPr lang="en-US" dirty="0"/>
@@ -11927,7 +11947,7 @@
             <a:fld id="{48A87A34-81AB-432B-8DAE-1953F412C126}" type="datetimeFigureOut">
               <a:rPr lang="en-US" dirty="0"/>
               <a:pPr/>
-              <a:t>6/25/2020</a:t>
+              <a:t>6/26/2020</a:t>
             </a:fld>
             <a:endParaRPr lang="en-US" dirty="0"/>
           </a:p>
@@ -12370,7 +12390,6 @@
               <a:rPr lang="en-US" dirty="0"/>
               <a:t> u SQL Server DBMS-u</a:t>
             </a:r>
-            <a:endParaRPr lang="en-US" dirty="0"/>
           </a:p>
         </p:txBody>
       </p:sp>
@@ -12384,13 +12403,18 @@
             <p:ph type="subTitle" idx="1"/>
           </p:nvPr>
         </p:nvSpPr>
-        <p:spPr/>
+        <p:spPr>
+          <a:xfrm>
+            <a:off x="1876424" y="4079875"/>
+            <a:ext cx="8791575" cy="1655762"/>
+          </a:xfrm>
+        </p:spPr>
         <p:txBody>
           <a:bodyPr/>
           <a:lstStyle/>
           <a:p>
             <a:r>
-              <a:rPr lang="en-US" dirty="0" err="1" smtClean="0"/>
+              <a:rPr lang="en-US" dirty="0" err="1"/>
               <a:t>Sistemi</a:t>
             </a:r>
             <a:r>
@@ -12398,57 +12422,56 @@
               <a:t> </a:t>
             </a:r>
             <a:r>
-              <a:rPr lang="en-US" dirty="0" err="1" smtClean="0"/>
+              <a:rPr lang="en-US" dirty="0" err="1"/>
               <a:t>za</a:t>
             </a:r>
             <a:r>
-              <a:rPr lang="en-US" dirty="0" smtClean="0"/>
+              <a:rPr lang="en-US" dirty="0"/>
               <a:t> </a:t>
             </a:r>
             <a:r>
-              <a:rPr lang="en-US" dirty="0" err="1" smtClean="0"/>
+              <a:rPr lang="en-US" dirty="0" err="1"/>
               <a:t>upravljanje</a:t>
             </a:r>
             <a:r>
-              <a:rPr lang="en-US" dirty="0" smtClean="0"/>
+              <a:rPr lang="en-US" dirty="0"/>
               <a:t> </a:t>
             </a:r>
             <a:r>
-              <a:rPr lang="en-US" dirty="0" err="1" smtClean="0"/>
+              <a:rPr lang="en-US" dirty="0" err="1"/>
               <a:t>bazama</a:t>
             </a:r>
             <a:r>
-              <a:rPr lang="en-US" dirty="0" smtClean="0"/>
+              <a:rPr lang="en-US" dirty="0"/>
               <a:t> </a:t>
             </a:r>
             <a:r>
-              <a:rPr lang="en-US" dirty="0" err="1" smtClean="0"/>
+              <a:rPr lang="en-US" dirty="0" err="1"/>
               <a:t>podataka</a:t>
             </a:r>
-            <a:endParaRPr lang="en-US" dirty="0" smtClean="0"/>
-          </a:p>
-          <a:p>
-            <a:r>
-              <a:rPr lang="en-US" dirty="0" err="1" smtClean="0"/>
+            <a:endParaRPr lang="en-US" dirty="0"/>
+          </a:p>
+          <a:p>
+            <a:r>
+              <a:rPr lang="en-US" dirty="0" err="1"/>
               <a:t>Arsenije</a:t>
             </a:r>
             <a:r>
-              <a:rPr lang="en-US" dirty="0" smtClean="0"/>
+              <a:rPr lang="en-US" dirty="0"/>
               <a:t> </a:t>
             </a:r>
             <a:r>
-              <a:rPr lang="en-US" dirty="0" err="1" smtClean="0"/>
+              <a:rPr lang="en-US" dirty="0" err="1"/>
               <a:t>Arsenijevi</a:t>
             </a:r>
             <a:r>
-              <a:rPr lang="sr-Latn-RS" dirty="0" smtClean="0"/>
+              <a:rPr lang="sr-Latn-RS" dirty="0"/>
               <a:t>ć</a:t>
             </a:r>
             <a:r>
-              <a:rPr lang="en-US" dirty="0" smtClean="0"/>
+              <a:rPr lang="en-US" dirty="0"/>
               <a:t> 793</a:t>
             </a:r>
-            <a:endParaRPr lang="en-US" dirty="0"/>
           </a:p>
         </p:txBody>
       </p:sp>
@@ -12456,6 +12479,2322 @@
     <p:extLst>
       <p:ext uri="{BB962C8B-B14F-4D97-AF65-F5344CB8AC3E}">
         <p14:creationId xmlns:p14="http://schemas.microsoft.com/office/powerpoint/2010/main" val="991243215"/>
+      </p:ext>
+    </p:extLst>
+  </p:cSld>
+  <p:clrMapOvr>
+    <a:masterClrMapping/>
+  </p:clrMapOvr>
+</p:sld>
+</file>
+
+<file path=ppt/slides/slide10.xml><?xml version="1.0" encoding="utf-8"?>
+<p:sld xmlns:a="http://schemas.openxmlformats.org/drawingml/2006/main" xmlns:r="http://schemas.openxmlformats.org/officeDocument/2006/relationships" xmlns:p="http://schemas.openxmlformats.org/presentationml/2006/main">
+  <p:cSld>
+    <p:spTree>
+      <p:nvGrpSpPr>
+        <p:cNvPr id="1" name=""/>
+        <p:cNvGrpSpPr/>
+        <p:nvPr/>
+      </p:nvGrpSpPr>
+      <p:grpSpPr>
+        <a:xfrm>
+          <a:off x="0" y="0"/>
+          <a:ext cx="0" cy="0"/>
+          <a:chOff x="0" y="0"/>
+          <a:chExt cx="0" cy="0"/>
+        </a:xfrm>
+      </p:grpSpPr>
+      <p:sp>
+        <p:nvSpPr>
+          <p:cNvPr id="2" name="Title 1">
+            <a:extLst>
+              <a:ext uri="{FF2B5EF4-FFF2-40B4-BE49-F238E27FC236}">
+                <a16:creationId xmlns:a16="http://schemas.microsoft.com/office/drawing/2014/main" id="{381A35BD-99D4-4E34-ACB4-A2731E91C451}"/>
+              </a:ext>
+            </a:extLst>
+          </p:cNvPr>
+          <p:cNvSpPr>
+            <a:spLocks noGrp="1"/>
+          </p:cNvSpPr>
+          <p:nvPr>
+            <p:ph type="title"/>
+          </p:nvPr>
+        </p:nvSpPr>
+        <p:spPr/>
+        <p:txBody>
+          <a:bodyPr/>
+          <a:lstStyle/>
+          <a:p>
+            <a:r>
+              <a:rPr lang="en-US" dirty="0"/>
+              <a:t>SQL Server AG</a:t>
+            </a:r>
+          </a:p>
+        </p:txBody>
+      </p:sp>
+      <p:sp>
+        <p:nvSpPr>
+          <p:cNvPr id="3" name="Content Placeholder 2">
+            <a:extLst>
+              <a:ext uri="{FF2B5EF4-FFF2-40B4-BE49-F238E27FC236}">
+                <a16:creationId xmlns:a16="http://schemas.microsoft.com/office/drawing/2014/main" id="{EA546F2A-4829-4437-89C4-0A0D7BDD4756}"/>
+              </a:ext>
+            </a:extLst>
+          </p:cNvPr>
+          <p:cNvSpPr>
+            <a:spLocks noGrp="1"/>
+          </p:cNvSpPr>
+          <p:nvPr>
+            <p:ph idx="1"/>
+          </p:nvPr>
+        </p:nvSpPr>
+        <p:spPr/>
+        <p:txBody>
+          <a:bodyPr/>
+          <a:lstStyle/>
+          <a:p>
+            <a:r>
+              <a:rPr lang="en-US" dirty="0" err="1"/>
+              <a:t>Modovi</a:t>
+            </a:r>
+            <a:r>
+              <a:rPr lang="en-US" dirty="0"/>
+              <a:t> </a:t>
+            </a:r>
+            <a:r>
+              <a:rPr lang="en-US" dirty="0" err="1"/>
+              <a:t>dostupnosti</a:t>
+            </a:r>
+            <a:endParaRPr lang="en-US" dirty="0"/>
+          </a:p>
+          <a:p>
+            <a:pPr lvl="1"/>
+            <a:r>
+              <a:rPr lang="sr-Latn-RS" i="1" u="sng" dirty="0"/>
+              <a:t>asynchronous-commit</a:t>
+            </a:r>
+          </a:p>
+          <a:p>
+            <a:pPr lvl="1"/>
+            <a:r>
+              <a:rPr lang="sr-Latn-RS" i="1" u="sng" dirty="0"/>
+              <a:t>synchronous-commit</a:t>
+            </a:r>
+          </a:p>
+          <a:p>
+            <a:pPr lvl="1"/>
+            <a:r>
+              <a:rPr lang="sr-Latn-RS" i="1" dirty="0"/>
+              <a:t>configuration only</a:t>
+            </a:r>
+          </a:p>
+          <a:p>
+            <a:r>
+              <a:rPr lang="sr-Latn-RS" i="1" dirty="0"/>
+              <a:t>Latencija podataka na sekundarnim replikama</a:t>
+            </a:r>
+            <a:endParaRPr lang="en-US" i="1" dirty="0"/>
+          </a:p>
+        </p:txBody>
+      </p:sp>
+    </p:spTree>
+    <p:extLst>
+      <p:ext uri="{BB962C8B-B14F-4D97-AF65-F5344CB8AC3E}">
+        <p14:creationId xmlns:p14="http://schemas.microsoft.com/office/powerpoint/2010/main" val="395112143"/>
+      </p:ext>
+    </p:extLst>
+  </p:cSld>
+  <p:clrMapOvr>
+    <a:masterClrMapping/>
+  </p:clrMapOvr>
+</p:sld>
+</file>
+
+<file path=ppt/slides/slide11.xml><?xml version="1.0" encoding="utf-8"?>
+<p:sld xmlns:a="http://schemas.openxmlformats.org/drawingml/2006/main" xmlns:r="http://schemas.openxmlformats.org/officeDocument/2006/relationships" xmlns:p="http://schemas.openxmlformats.org/presentationml/2006/main">
+  <p:cSld>
+    <p:spTree>
+      <p:nvGrpSpPr>
+        <p:cNvPr id="1" name=""/>
+        <p:cNvGrpSpPr/>
+        <p:nvPr/>
+      </p:nvGrpSpPr>
+      <p:grpSpPr>
+        <a:xfrm>
+          <a:off x="0" y="0"/>
+          <a:ext cx="0" cy="0"/>
+          <a:chOff x="0" y="0"/>
+          <a:chExt cx="0" cy="0"/>
+        </a:xfrm>
+      </p:grpSpPr>
+      <p:sp>
+        <p:nvSpPr>
+          <p:cNvPr id="2" name="Title 1">
+            <a:extLst>
+              <a:ext uri="{FF2B5EF4-FFF2-40B4-BE49-F238E27FC236}">
+                <a16:creationId xmlns:a16="http://schemas.microsoft.com/office/drawing/2014/main" id="{AA06D56E-958F-4E62-A128-EBCEE4B09304}"/>
+              </a:ext>
+            </a:extLst>
+          </p:cNvPr>
+          <p:cNvSpPr>
+            <a:spLocks noGrp="1"/>
+          </p:cNvSpPr>
+          <p:nvPr>
+            <p:ph type="title"/>
+          </p:nvPr>
+        </p:nvSpPr>
+        <p:spPr/>
+        <p:txBody>
+          <a:bodyPr/>
+          <a:lstStyle/>
+          <a:p>
+            <a:r>
+              <a:rPr lang="sr-Latn-RS" dirty="0"/>
+              <a:t>SQL Server AG Failover</a:t>
+            </a:r>
+            <a:endParaRPr lang="en-US" dirty="0"/>
+          </a:p>
+        </p:txBody>
+      </p:sp>
+      <p:sp>
+        <p:nvSpPr>
+          <p:cNvPr id="3" name="Content Placeholder 2">
+            <a:extLst>
+              <a:ext uri="{FF2B5EF4-FFF2-40B4-BE49-F238E27FC236}">
+                <a16:creationId xmlns:a16="http://schemas.microsoft.com/office/drawing/2014/main" id="{CF3296C5-7D2F-46F7-9B3A-502905365044}"/>
+              </a:ext>
+            </a:extLst>
+          </p:cNvPr>
+          <p:cNvSpPr>
+            <a:spLocks noGrp="1"/>
+          </p:cNvSpPr>
+          <p:nvPr>
+            <p:ph idx="1"/>
+          </p:nvPr>
+        </p:nvSpPr>
+        <p:spPr/>
+        <p:txBody>
+          <a:bodyPr/>
+          <a:lstStyle/>
+          <a:p>
+            <a:r>
+              <a:rPr lang="sr-Latn-RS" dirty="0"/>
+              <a:t>Failover</a:t>
+            </a:r>
+          </a:p>
+          <a:p>
+            <a:r>
+              <a:rPr lang="sr-Latn-RS" dirty="0"/>
+              <a:t>Tipovi </a:t>
+            </a:r>
+            <a:r>
+              <a:rPr lang="sr-Latn-RS" i="1" dirty="0"/>
+              <a:t>failover</a:t>
+            </a:r>
+            <a:r>
+              <a:rPr lang="sr-Latn-RS" dirty="0"/>
+              <a:t>-a kod MSSQL AG</a:t>
+            </a:r>
+          </a:p>
+          <a:p>
+            <a:pPr lvl="1"/>
+            <a:r>
+              <a:rPr lang="sr-Latn-RS" i="1" dirty="0"/>
+              <a:t>Planned manual</a:t>
+            </a:r>
+          </a:p>
+          <a:p>
+            <a:pPr lvl="1"/>
+            <a:r>
+              <a:rPr lang="sr-Latn-RS" i="1" dirty="0"/>
+              <a:t>Automatic</a:t>
+            </a:r>
+          </a:p>
+          <a:p>
+            <a:pPr lvl="1"/>
+            <a:r>
+              <a:rPr lang="sr-Latn-RS" i="1" dirty="0"/>
+              <a:t>Forced manual</a:t>
+            </a:r>
+            <a:endParaRPr lang="en-US" i="1" dirty="0"/>
+          </a:p>
+        </p:txBody>
+      </p:sp>
+      <p:pic>
+        <p:nvPicPr>
+          <p:cNvPr id="4" name="Picture 3">
+            <a:extLst>
+              <a:ext uri="{FF2B5EF4-FFF2-40B4-BE49-F238E27FC236}">
+                <a16:creationId xmlns:a16="http://schemas.microsoft.com/office/drawing/2014/main" id="{6C4C7D7B-858D-4304-84AE-C1D8E5993823}"/>
+              </a:ext>
+            </a:extLst>
+          </p:cNvPr>
+          <p:cNvPicPr>
+            <a:picLocks noChangeAspect="1"/>
+          </p:cNvPicPr>
+          <p:nvPr/>
+        </p:nvPicPr>
+        <p:blipFill>
+          <a:blip r:embed="rId2"/>
+          <a:stretch>
+            <a:fillRect/>
+          </a:stretch>
+        </p:blipFill>
+        <p:spPr>
+          <a:xfrm>
+            <a:off x="7164941" y="1220293"/>
+            <a:ext cx="3656858" cy="2445872"/>
+          </a:xfrm>
+          <a:prstGeom prst="rect">
+            <a:avLst/>
+          </a:prstGeom>
+        </p:spPr>
+      </p:pic>
+      <p:pic>
+        <p:nvPicPr>
+          <p:cNvPr id="5" name="Picture 4">
+            <a:extLst>
+              <a:ext uri="{FF2B5EF4-FFF2-40B4-BE49-F238E27FC236}">
+                <a16:creationId xmlns:a16="http://schemas.microsoft.com/office/drawing/2014/main" id="{6202D138-99F5-42CF-A07D-41AE0B1916C6}"/>
+              </a:ext>
+            </a:extLst>
+          </p:cNvPr>
+          <p:cNvPicPr>
+            <a:picLocks noChangeAspect="1"/>
+          </p:cNvPicPr>
+          <p:nvPr/>
+        </p:nvPicPr>
+        <p:blipFill>
+          <a:blip r:embed="rId3"/>
+          <a:stretch>
+            <a:fillRect/>
+          </a:stretch>
+        </p:blipFill>
+        <p:spPr>
+          <a:xfrm>
+            <a:off x="4562299" y="3934825"/>
+            <a:ext cx="3896813" cy="2445872"/>
+          </a:xfrm>
+          <a:prstGeom prst="rect">
+            <a:avLst/>
+          </a:prstGeom>
+        </p:spPr>
+      </p:pic>
+    </p:spTree>
+    <p:extLst>
+      <p:ext uri="{BB962C8B-B14F-4D97-AF65-F5344CB8AC3E}">
+        <p14:creationId xmlns:p14="http://schemas.microsoft.com/office/powerpoint/2010/main" val="3839629046"/>
+      </p:ext>
+    </p:extLst>
+  </p:cSld>
+  <p:clrMapOvr>
+    <a:masterClrMapping/>
+  </p:clrMapOvr>
+</p:sld>
+</file>
+
+<file path=ppt/slides/slide12.xml><?xml version="1.0" encoding="utf-8"?>
+<p:sld xmlns:a="http://schemas.openxmlformats.org/drawingml/2006/main" xmlns:r="http://schemas.openxmlformats.org/officeDocument/2006/relationships" xmlns:p="http://schemas.openxmlformats.org/presentationml/2006/main">
+  <p:cSld>
+    <p:spTree>
+      <p:nvGrpSpPr>
+        <p:cNvPr id="1" name=""/>
+        <p:cNvGrpSpPr/>
+        <p:nvPr/>
+      </p:nvGrpSpPr>
+      <p:grpSpPr>
+        <a:xfrm>
+          <a:off x="0" y="0"/>
+          <a:ext cx="0" cy="0"/>
+          <a:chOff x="0" y="0"/>
+          <a:chExt cx="0" cy="0"/>
+        </a:xfrm>
+      </p:grpSpPr>
+      <p:sp>
+        <p:nvSpPr>
+          <p:cNvPr id="2" name="Title 1">
+            <a:extLst>
+              <a:ext uri="{FF2B5EF4-FFF2-40B4-BE49-F238E27FC236}">
+                <a16:creationId xmlns:a16="http://schemas.microsoft.com/office/drawing/2014/main" id="{99D1A32A-1D25-40A1-BB20-FE4DBFE446A1}"/>
+              </a:ext>
+            </a:extLst>
+          </p:cNvPr>
+          <p:cNvSpPr>
+            <a:spLocks noGrp="1"/>
+          </p:cNvSpPr>
+          <p:nvPr>
+            <p:ph type="title"/>
+          </p:nvPr>
+        </p:nvSpPr>
+        <p:spPr/>
+        <p:txBody>
+          <a:bodyPr/>
+          <a:lstStyle/>
+          <a:p>
+            <a:r>
+              <a:rPr lang="sr-Latn-RS" dirty="0"/>
+              <a:t>MSSQL AG Listener</a:t>
+            </a:r>
+            <a:endParaRPr lang="en-US" dirty="0"/>
+          </a:p>
+        </p:txBody>
+      </p:sp>
+      <p:sp>
+        <p:nvSpPr>
+          <p:cNvPr id="3" name="Content Placeholder 2">
+            <a:extLst>
+              <a:ext uri="{FF2B5EF4-FFF2-40B4-BE49-F238E27FC236}">
+                <a16:creationId xmlns:a16="http://schemas.microsoft.com/office/drawing/2014/main" id="{0519F71E-2516-4B98-A027-1FFE6DAACF6C}"/>
+              </a:ext>
+            </a:extLst>
+          </p:cNvPr>
+          <p:cNvSpPr>
+            <a:spLocks noGrp="1"/>
+          </p:cNvSpPr>
+          <p:nvPr>
+            <p:ph idx="1"/>
+          </p:nvPr>
+        </p:nvSpPr>
+        <p:spPr/>
+        <p:txBody>
+          <a:bodyPr/>
+          <a:lstStyle/>
+          <a:p>
+            <a:r>
+              <a:rPr lang="sr-Latn-RS" dirty="0"/>
+              <a:t>Virtuelna lokacija AG na mreži</a:t>
+            </a:r>
+          </a:p>
+          <a:p>
+            <a:pPr lvl="1"/>
+            <a:r>
+              <a:rPr lang="sr-Latn-RS" i="1" dirty="0"/>
+              <a:t>Virtual Network Name (VNN)</a:t>
+            </a:r>
+          </a:p>
+          <a:p>
+            <a:pPr lvl="1"/>
+            <a:r>
+              <a:rPr lang="sr-Latn-RS" i="1" dirty="0"/>
+              <a:t>Virtual IP address (VIP) *</a:t>
+            </a:r>
+            <a:endParaRPr lang="en-US" i="1" dirty="0"/>
+          </a:p>
+        </p:txBody>
+      </p:sp>
+    </p:spTree>
+    <p:extLst>
+      <p:ext uri="{BB962C8B-B14F-4D97-AF65-F5344CB8AC3E}">
+        <p14:creationId xmlns:p14="http://schemas.microsoft.com/office/powerpoint/2010/main" val="510837341"/>
+      </p:ext>
+    </p:extLst>
+  </p:cSld>
+  <p:clrMapOvr>
+    <a:masterClrMapping/>
+  </p:clrMapOvr>
+</p:sld>
+</file>
+
+<file path=ppt/slides/slide13.xml><?xml version="1.0" encoding="utf-8"?>
+<p:sld xmlns:a="http://schemas.openxmlformats.org/drawingml/2006/main" xmlns:r="http://schemas.openxmlformats.org/officeDocument/2006/relationships" xmlns:p="http://schemas.openxmlformats.org/presentationml/2006/main">
+  <p:cSld>
+    <p:spTree>
+      <p:nvGrpSpPr>
+        <p:cNvPr id="1" name=""/>
+        <p:cNvGrpSpPr/>
+        <p:nvPr/>
+      </p:nvGrpSpPr>
+      <p:grpSpPr>
+        <a:xfrm>
+          <a:off x="0" y="0"/>
+          <a:ext cx="0" cy="0"/>
+          <a:chOff x="0" y="0"/>
+          <a:chExt cx="0" cy="0"/>
+        </a:xfrm>
+      </p:grpSpPr>
+      <p:sp>
+        <p:nvSpPr>
+          <p:cNvPr id="2" name="Title 1">
+            <a:extLst>
+              <a:ext uri="{FF2B5EF4-FFF2-40B4-BE49-F238E27FC236}">
+                <a16:creationId xmlns:a16="http://schemas.microsoft.com/office/drawing/2014/main" id="{628BFF86-6AAE-44BA-9E96-15369C1F22FF}"/>
+              </a:ext>
+            </a:extLst>
+          </p:cNvPr>
+          <p:cNvSpPr>
+            <a:spLocks noGrp="1"/>
+          </p:cNvSpPr>
+          <p:nvPr>
+            <p:ph type="title"/>
+          </p:nvPr>
+        </p:nvSpPr>
+        <p:spPr/>
+        <p:txBody>
+          <a:bodyPr/>
+          <a:lstStyle/>
+          <a:p>
+            <a:r>
+              <a:rPr lang="sr-Latn-RS" dirty="0"/>
+              <a:t>MSSQL AG</a:t>
+            </a:r>
+            <a:endParaRPr lang="en-US" dirty="0"/>
+          </a:p>
+        </p:txBody>
+      </p:sp>
+      <p:sp>
+        <p:nvSpPr>
+          <p:cNvPr id="3" name="Content Placeholder 2">
+            <a:extLst>
+              <a:ext uri="{FF2B5EF4-FFF2-40B4-BE49-F238E27FC236}">
+                <a16:creationId xmlns:a16="http://schemas.microsoft.com/office/drawing/2014/main" id="{5735F596-58A0-4AEC-A3DE-7CC328BB2FC1}"/>
+              </a:ext>
+            </a:extLst>
+          </p:cNvPr>
+          <p:cNvSpPr>
+            <a:spLocks noGrp="1"/>
+          </p:cNvSpPr>
+          <p:nvPr>
+            <p:ph idx="1"/>
+          </p:nvPr>
+        </p:nvSpPr>
+        <p:spPr/>
+        <p:txBody>
+          <a:bodyPr/>
+          <a:lstStyle/>
+          <a:p>
+            <a:r>
+              <a:rPr lang="sr-Latn-RS" dirty="0"/>
+              <a:t>Period isteka </a:t>
+            </a:r>
+            <a:r>
+              <a:rPr lang="sr-Latn-RS" i="1" dirty="0"/>
+              <a:t>timeout</a:t>
+            </a:r>
+            <a:r>
+              <a:rPr lang="sr-Latn-RS" dirty="0"/>
+              <a:t>-a sesije</a:t>
+            </a:r>
+          </a:p>
+          <a:p>
+            <a:endParaRPr lang="sr-Latn-RS" dirty="0"/>
+          </a:p>
+          <a:p>
+            <a:r>
+              <a:rPr lang="sr-Latn-RS" dirty="0"/>
+              <a:t>Automatsko popravljanje stranica</a:t>
+            </a:r>
+          </a:p>
+          <a:p>
+            <a:r>
+              <a:rPr lang="sr-Latn-RS" dirty="0"/>
+              <a:t>Oporavak replika</a:t>
+            </a:r>
+            <a:endParaRPr lang="en-US" dirty="0"/>
+          </a:p>
+        </p:txBody>
+      </p:sp>
+    </p:spTree>
+    <p:extLst>
+      <p:ext uri="{BB962C8B-B14F-4D97-AF65-F5344CB8AC3E}">
+        <p14:creationId xmlns:p14="http://schemas.microsoft.com/office/powerpoint/2010/main" val="1425336526"/>
+      </p:ext>
+    </p:extLst>
+  </p:cSld>
+  <p:clrMapOvr>
+    <a:masterClrMapping/>
+  </p:clrMapOvr>
+</p:sld>
+</file>
+
+<file path=ppt/slides/slide14.xml><?xml version="1.0" encoding="utf-8"?>
+<p:sld xmlns:a="http://schemas.openxmlformats.org/drawingml/2006/main" xmlns:r="http://schemas.openxmlformats.org/officeDocument/2006/relationships" xmlns:p="http://schemas.openxmlformats.org/presentationml/2006/main">
+  <p:cSld>
+    <p:spTree>
+      <p:nvGrpSpPr>
+        <p:cNvPr id="1" name=""/>
+        <p:cNvGrpSpPr/>
+        <p:nvPr/>
+      </p:nvGrpSpPr>
+      <p:grpSpPr>
+        <a:xfrm>
+          <a:off x="0" y="0"/>
+          <a:ext cx="0" cy="0"/>
+          <a:chOff x="0" y="0"/>
+          <a:chExt cx="0" cy="0"/>
+        </a:xfrm>
+      </p:grpSpPr>
+      <p:sp>
+        <p:nvSpPr>
+          <p:cNvPr id="2" name="Title 1">
+            <a:extLst>
+              <a:ext uri="{FF2B5EF4-FFF2-40B4-BE49-F238E27FC236}">
+                <a16:creationId xmlns:a16="http://schemas.microsoft.com/office/drawing/2014/main" id="{C8230203-07BD-493D-B402-04436B796D45}"/>
+              </a:ext>
+            </a:extLst>
+          </p:cNvPr>
+          <p:cNvSpPr>
+            <a:spLocks noGrp="1"/>
+          </p:cNvSpPr>
+          <p:nvPr>
+            <p:ph type="title"/>
+          </p:nvPr>
+        </p:nvSpPr>
+        <p:spPr/>
+        <p:txBody>
+          <a:bodyPr/>
+          <a:lstStyle/>
+          <a:p>
+            <a:r>
+              <a:rPr lang="sr-Latn-RS" dirty="0"/>
+              <a:t>mSSQL Licence</a:t>
+            </a:r>
+            <a:endParaRPr lang="en-US" dirty="0"/>
+          </a:p>
+        </p:txBody>
+      </p:sp>
+      <p:sp>
+        <p:nvSpPr>
+          <p:cNvPr id="3" name="Content Placeholder 2">
+            <a:extLst>
+              <a:ext uri="{FF2B5EF4-FFF2-40B4-BE49-F238E27FC236}">
+                <a16:creationId xmlns:a16="http://schemas.microsoft.com/office/drawing/2014/main" id="{CC5364E0-7056-47C4-9645-90ADD1040337}"/>
+              </a:ext>
+            </a:extLst>
+          </p:cNvPr>
+          <p:cNvSpPr>
+            <a:spLocks noGrp="1"/>
+          </p:cNvSpPr>
+          <p:nvPr>
+            <p:ph idx="1"/>
+          </p:nvPr>
+        </p:nvSpPr>
+        <p:spPr>
+          <a:xfrm>
+            <a:off x="1141412" y="2249486"/>
+            <a:ext cx="9905999" cy="4059035"/>
+          </a:xfrm>
+        </p:spPr>
+        <p:txBody>
+          <a:bodyPr>
+            <a:normAutofit/>
+          </a:bodyPr>
+          <a:lstStyle/>
+          <a:p>
+            <a:r>
+              <a:rPr lang="sr-Latn-RS" i="1" dirty="0"/>
+              <a:t>Enterprise</a:t>
+            </a:r>
+            <a:r>
+              <a:rPr lang="sr-Latn-RS" dirty="0"/>
+              <a:t> vs </a:t>
+            </a:r>
+            <a:r>
+              <a:rPr lang="sr-Latn-RS" i="1" dirty="0"/>
+              <a:t>Standard</a:t>
+            </a:r>
+            <a:endParaRPr lang="sr-Latn-RS" dirty="0"/>
+          </a:p>
+          <a:p>
+            <a:r>
+              <a:rPr lang="sr-Latn-RS" dirty="0"/>
+              <a:t>Ograničenja </a:t>
+            </a:r>
+            <a:r>
+              <a:rPr lang="sr-Latn-RS" i="1" dirty="0"/>
+              <a:t>Standard</a:t>
+            </a:r>
+            <a:r>
+              <a:rPr lang="sr-Latn-RS" dirty="0"/>
+              <a:t> licence:</a:t>
+            </a:r>
+          </a:p>
+          <a:p>
+            <a:pPr lvl="1"/>
+            <a:r>
+              <a:rPr lang="sr-Latn-RS" dirty="0"/>
+              <a:t>1 baza po AG</a:t>
+            </a:r>
+          </a:p>
+          <a:p>
+            <a:pPr lvl="1"/>
+            <a:r>
+              <a:rPr lang="sr-Latn-RS" dirty="0"/>
+              <a:t>2 replike unutar AG (9 kod </a:t>
+            </a:r>
+            <a:r>
+              <a:rPr lang="sr-Latn-RS" i="1" dirty="0"/>
+              <a:t>Enterprise</a:t>
+            </a:r>
+            <a:r>
+              <a:rPr lang="sr-Latn-RS" dirty="0"/>
+              <a:t>)</a:t>
+            </a:r>
+          </a:p>
+          <a:p>
+            <a:pPr lvl="1"/>
+            <a:r>
+              <a:rPr lang="sr-Latn-RS" dirty="0"/>
+              <a:t>Nema </a:t>
+            </a:r>
+            <a:r>
+              <a:rPr lang="sr-Latn-RS" i="1" dirty="0"/>
+              <a:t>read-only access</a:t>
+            </a:r>
+            <a:r>
+              <a:rPr lang="sr-Latn-RS" dirty="0"/>
+              <a:t> na sekundarnim replikama</a:t>
+            </a:r>
+          </a:p>
+          <a:p>
+            <a:pPr lvl="1"/>
+            <a:r>
+              <a:rPr lang="sr-Latn-RS" dirty="0"/>
+              <a:t>Nema </a:t>
+            </a:r>
+            <a:r>
+              <a:rPr lang="sr-Latn-RS" i="1" dirty="0"/>
+              <a:t>backup-offloading</a:t>
+            </a:r>
+            <a:r>
+              <a:rPr lang="sr-Latn-RS" dirty="0"/>
+              <a:t> na sekundarnim replikama</a:t>
+            </a:r>
+          </a:p>
+          <a:p>
+            <a:pPr lvl="1"/>
+            <a:r>
+              <a:rPr lang="sr-Latn-RS" dirty="0"/>
+              <a:t>Nema GUI podešavanja</a:t>
+            </a:r>
+          </a:p>
+        </p:txBody>
+      </p:sp>
+    </p:spTree>
+    <p:extLst>
+      <p:ext uri="{BB962C8B-B14F-4D97-AF65-F5344CB8AC3E}">
+        <p14:creationId xmlns:p14="http://schemas.microsoft.com/office/powerpoint/2010/main" val="2672544894"/>
+      </p:ext>
+    </p:extLst>
+  </p:cSld>
+  <p:clrMapOvr>
+    <a:masterClrMapping/>
+  </p:clrMapOvr>
+</p:sld>
+</file>
+
+<file path=ppt/slides/slide15.xml><?xml version="1.0" encoding="utf-8"?>
+<p:sld xmlns:a="http://schemas.openxmlformats.org/drawingml/2006/main" xmlns:r="http://schemas.openxmlformats.org/officeDocument/2006/relationships" xmlns:p="http://schemas.openxmlformats.org/presentationml/2006/main">
+  <p:cSld>
+    <p:spTree>
+      <p:nvGrpSpPr>
+        <p:cNvPr id="1" name=""/>
+        <p:cNvGrpSpPr/>
+        <p:nvPr/>
+      </p:nvGrpSpPr>
+      <p:grpSpPr>
+        <a:xfrm>
+          <a:off x="0" y="0"/>
+          <a:ext cx="0" cy="0"/>
+          <a:chOff x="0" y="0"/>
+          <a:chExt cx="0" cy="0"/>
+        </a:xfrm>
+      </p:grpSpPr>
+      <p:sp>
+        <p:nvSpPr>
+          <p:cNvPr id="2" name="Title 1">
+            <a:extLst>
+              <a:ext uri="{FF2B5EF4-FFF2-40B4-BE49-F238E27FC236}">
+                <a16:creationId xmlns:a16="http://schemas.microsoft.com/office/drawing/2014/main" id="{826E71AA-1A91-4282-9FA3-844502C5D0D1}"/>
+              </a:ext>
+            </a:extLst>
+          </p:cNvPr>
+          <p:cNvSpPr>
+            <a:spLocks noGrp="1"/>
+          </p:cNvSpPr>
+          <p:nvPr>
+            <p:ph type="title"/>
+          </p:nvPr>
+        </p:nvSpPr>
+        <p:spPr/>
+        <p:txBody>
+          <a:bodyPr/>
+          <a:lstStyle/>
+          <a:p>
+            <a:r>
+              <a:rPr lang="sr-Latn-RS" dirty="0"/>
+              <a:t>implementacija</a:t>
+            </a:r>
+            <a:endParaRPr lang="en-US" dirty="0"/>
+          </a:p>
+        </p:txBody>
+      </p:sp>
+      <p:sp>
+        <p:nvSpPr>
+          <p:cNvPr id="3" name="Content Placeholder 2">
+            <a:extLst>
+              <a:ext uri="{FF2B5EF4-FFF2-40B4-BE49-F238E27FC236}">
+                <a16:creationId xmlns:a16="http://schemas.microsoft.com/office/drawing/2014/main" id="{D8DE7886-9C9F-4E36-ACFA-90549138E428}"/>
+              </a:ext>
+            </a:extLst>
+          </p:cNvPr>
+          <p:cNvSpPr>
+            <a:spLocks noGrp="1"/>
+          </p:cNvSpPr>
+          <p:nvPr>
+            <p:ph idx="1"/>
+          </p:nvPr>
+        </p:nvSpPr>
+        <p:spPr/>
+        <p:txBody>
+          <a:bodyPr/>
+          <a:lstStyle/>
+          <a:p>
+            <a:r>
+              <a:rPr lang="sr-Latn-RS" dirty="0"/>
+              <a:t>3 virtuelna servera</a:t>
+            </a:r>
+          </a:p>
+          <a:p>
+            <a:pPr lvl="1"/>
+            <a:r>
+              <a:rPr lang="sr-Latn-RS" dirty="0"/>
+              <a:t>2 čvora DB klastera (2 čvora u AG)</a:t>
+            </a:r>
+          </a:p>
+          <a:p>
+            <a:pPr lvl="1"/>
+            <a:r>
+              <a:rPr lang="sr-Latn-RS" dirty="0"/>
+              <a:t>Treći server samo </a:t>
+            </a:r>
+            <a:r>
+              <a:rPr lang="sr-Latn-RS" i="1" dirty="0"/>
+              <a:t>Domain Controller</a:t>
+            </a:r>
+            <a:r>
+              <a:rPr lang="sr-Latn-RS" dirty="0"/>
+              <a:t> u WSFC-u i </a:t>
+            </a:r>
+            <a:r>
+              <a:rPr lang="sr-Latn-RS" i="1" dirty="0"/>
+              <a:t>fileshare</a:t>
+            </a:r>
+          </a:p>
+          <a:p>
+            <a:r>
+              <a:rPr lang="sr-Latn-RS" i="1" dirty="0"/>
+              <a:t>Windows Server 2019 Enterprise</a:t>
+            </a:r>
+          </a:p>
+          <a:p>
+            <a:r>
+              <a:rPr lang="sr-Latn-RS" i="1" dirty="0"/>
+              <a:t>SQL Server 2019 Developer</a:t>
+            </a:r>
+          </a:p>
+          <a:p>
+            <a:r>
+              <a:rPr lang="sr-Latn-RS" dirty="0"/>
+              <a:t>Simulacija otkaza primarne replike i automatski </a:t>
+            </a:r>
+            <a:r>
+              <a:rPr lang="sr-Latn-RS" i="1" dirty="0"/>
+              <a:t>failover</a:t>
+            </a:r>
+            <a:endParaRPr lang="en-US" dirty="0"/>
+          </a:p>
+        </p:txBody>
+      </p:sp>
+    </p:spTree>
+    <p:extLst>
+      <p:ext uri="{BB962C8B-B14F-4D97-AF65-F5344CB8AC3E}">
+        <p14:creationId xmlns:p14="http://schemas.microsoft.com/office/powerpoint/2010/main" val="1831498660"/>
+      </p:ext>
+    </p:extLst>
+  </p:cSld>
+  <p:clrMapOvr>
+    <a:masterClrMapping/>
+  </p:clrMapOvr>
+</p:sld>
+</file>
+
+<file path=ppt/slides/slide16.xml><?xml version="1.0" encoding="utf-8"?>
+<p:sld xmlns:a="http://schemas.openxmlformats.org/drawingml/2006/main" xmlns:r="http://schemas.openxmlformats.org/officeDocument/2006/relationships" xmlns:p="http://schemas.openxmlformats.org/presentationml/2006/main">
+  <p:cSld>
+    <p:spTree>
+      <p:nvGrpSpPr>
+        <p:cNvPr id="1" name=""/>
+        <p:cNvGrpSpPr/>
+        <p:nvPr/>
+      </p:nvGrpSpPr>
+      <p:grpSpPr>
+        <a:xfrm>
+          <a:off x="0" y="0"/>
+          <a:ext cx="0" cy="0"/>
+          <a:chOff x="0" y="0"/>
+          <a:chExt cx="0" cy="0"/>
+        </a:xfrm>
+      </p:grpSpPr>
+      <p:sp>
+        <p:nvSpPr>
+          <p:cNvPr id="2" name="Title 1">
+            <a:extLst>
+              <a:ext uri="{FF2B5EF4-FFF2-40B4-BE49-F238E27FC236}">
+                <a16:creationId xmlns:a16="http://schemas.microsoft.com/office/drawing/2014/main" id="{F4ABAEB7-E9A7-4C90-9E7C-88BEE5E543B9}"/>
+              </a:ext>
+            </a:extLst>
+          </p:cNvPr>
+          <p:cNvSpPr>
+            <a:spLocks noGrp="1"/>
+          </p:cNvSpPr>
+          <p:nvPr>
+            <p:ph type="title"/>
+          </p:nvPr>
+        </p:nvSpPr>
+        <p:spPr>
+          <a:xfrm>
+            <a:off x="1367915" y="2689715"/>
+            <a:ext cx="9905998" cy="1478570"/>
+          </a:xfrm>
+        </p:spPr>
+        <p:txBody>
+          <a:bodyPr/>
+          <a:lstStyle/>
+          <a:p>
+            <a:r>
+              <a:rPr lang="sr-Latn-RS" dirty="0"/>
+              <a:t>FIN</a:t>
+            </a:r>
+            <a:endParaRPr lang="en-US" dirty="0"/>
+          </a:p>
+        </p:txBody>
+      </p:sp>
+    </p:spTree>
+    <p:extLst>
+      <p:ext uri="{BB962C8B-B14F-4D97-AF65-F5344CB8AC3E}">
+        <p14:creationId xmlns:p14="http://schemas.microsoft.com/office/powerpoint/2010/main" val="3423130193"/>
+      </p:ext>
+    </p:extLst>
+  </p:cSld>
+  <p:clrMapOvr>
+    <a:masterClrMapping/>
+  </p:clrMapOvr>
+</p:sld>
+</file>
+
+<file path=ppt/slides/slide2.xml><?xml version="1.0" encoding="utf-8"?>
+<p:sld xmlns:a="http://schemas.openxmlformats.org/drawingml/2006/main" xmlns:r="http://schemas.openxmlformats.org/officeDocument/2006/relationships" xmlns:p="http://schemas.openxmlformats.org/presentationml/2006/main">
+  <p:cSld>
+    <p:spTree>
+      <p:nvGrpSpPr>
+        <p:cNvPr id="1" name=""/>
+        <p:cNvGrpSpPr/>
+        <p:nvPr/>
+      </p:nvGrpSpPr>
+      <p:grpSpPr>
+        <a:xfrm>
+          <a:off x="0" y="0"/>
+          <a:ext cx="0" cy="0"/>
+          <a:chOff x="0" y="0"/>
+          <a:chExt cx="0" cy="0"/>
+        </a:xfrm>
+      </p:grpSpPr>
+      <p:sp>
+        <p:nvSpPr>
+          <p:cNvPr id="2" name="Title 1">
+            <a:extLst>
+              <a:ext uri="{FF2B5EF4-FFF2-40B4-BE49-F238E27FC236}">
+                <a16:creationId xmlns:a16="http://schemas.microsoft.com/office/drawing/2014/main" id="{4C0B1193-FD6F-4DA2-B43C-7605B609DDAE}"/>
+              </a:ext>
+            </a:extLst>
+          </p:cNvPr>
+          <p:cNvSpPr>
+            <a:spLocks noGrp="1"/>
+          </p:cNvSpPr>
+          <p:nvPr>
+            <p:ph type="title"/>
+          </p:nvPr>
+        </p:nvSpPr>
+        <p:spPr/>
+        <p:txBody>
+          <a:bodyPr/>
+          <a:lstStyle/>
+          <a:p>
+            <a:r>
+              <a:rPr lang="en-US" dirty="0"/>
+              <a:t>HA-DBMS</a:t>
+            </a:r>
+          </a:p>
+        </p:txBody>
+      </p:sp>
+      <p:sp>
+        <p:nvSpPr>
+          <p:cNvPr id="3" name="Content Placeholder 2">
+            <a:extLst>
+              <a:ext uri="{FF2B5EF4-FFF2-40B4-BE49-F238E27FC236}">
+                <a16:creationId xmlns:a16="http://schemas.microsoft.com/office/drawing/2014/main" id="{622171DC-0761-43B9-98AD-989DDC65CD1D}"/>
+              </a:ext>
+            </a:extLst>
+          </p:cNvPr>
+          <p:cNvSpPr>
+            <a:spLocks noGrp="1"/>
+          </p:cNvSpPr>
+          <p:nvPr>
+            <p:ph idx="1"/>
+          </p:nvPr>
+        </p:nvSpPr>
+        <p:spPr/>
+        <p:txBody>
+          <a:bodyPr/>
+          <a:lstStyle/>
+          <a:p>
+            <a:r>
+              <a:rPr lang="en-US" dirty="0"/>
+              <a:t>High Availability Database Management System</a:t>
+            </a:r>
+          </a:p>
+          <a:p>
+            <a:r>
+              <a:rPr lang="sr-Latn-RS" dirty="0"/>
+              <a:t>Dve osnovne arhitekture</a:t>
+            </a:r>
+            <a:endParaRPr lang="en-US" dirty="0"/>
+          </a:p>
+          <a:p>
+            <a:pPr lvl="1"/>
+            <a:r>
+              <a:rPr lang="sr-Latn-RS" dirty="0"/>
+              <a:t>Deljivo ništa</a:t>
+            </a:r>
+            <a:endParaRPr lang="en-US" dirty="0"/>
+          </a:p>
+          <a:p>
+            <a:pPr lvl="1"/>
+            <a:r>
+              <a:rPr lang="sr-Latn-RS" dirty="0"/>
+              <a:t>Deljivi disk</a:t>
+            </a:r>
+          </a:p>
+          <a:p>
+            <a:r>
+              <a:rPr lang="sr-Latn-RS" dirty="0"/>
+              <a:t>Benefiti</a:t>
+            </a:r>
+          </a:p>
+          <a:p>
+            <a:pPr lvl="1"/>
+            <a:r>
+              <a:rPr lang="sr-Latn-RS" dirty="0"/>
+              <a:t>Povećanje dostupnosti</a:t>
+            </a:r>
+          </a:p>
+          <a:p>
+            <a:pPr lvl="1"/>
+            <a:r>
+              <a:rPr lang="sr-Latn-RS" dirty="0"/>
+              <a:t>Skaliranje </a:t>
+            </a:r>
+            <a:r>
+              <a:rPr lang="sr-Latn-RS" i="1" dirty="0"/>
+              <a:t>read-intent</a:t>
+            </a:r>
+            <a:r>
+              <a:rPr lang="sr-Latn-RS" dirty="0"/>
+              <a:t> konekcija</a:t>
+            </a:r>
+            <a:endParaRPr lang="en-US" dirty="0"/>
+          </a:p>
+          <a:p>
+            <a:endParaRPr lang="en-US" dirty="0"/>
+          </a:p>
+        </p:txBody>
+      </p:sp>
+      <p:pic>
+        <p:nvPicPr>
+          <p:cNvPr id="4" name="Picture 3">
+            <a:extLst>
+              <a:ext uri="{FF2B5EF4-FFF2-40B4-BE49-F238E27FC236}">
+                <a16:creationId xmlns:a16="http://schemas.microsoft.com/office/drawing/2014/main" id="{4F3E1685-3531-4B35-B432-931701F11147}"/>
+              </a:ext>
+            </a:extLst>
+          </p:cNvPr>
+          <p:cNvPicPr>
+            <a:picLocks noChangeAspect="1"/>
+          </p:cNvPicPr>
+          <p:nvPr/>
+        </p:nvPicPr>
+        <p:blipFill>
+          <a:blip r:embed="rId2"/>
+          <a:stretch>
+            <a:fillRect/>
+          </a:stretch>
+        </p:blipFill>
+        <p:spPr>
+          <a:xfrm>
+            <a:off x="6575439" y="3641301"/>
+            <a:ext cx="3826910" cy="2512701"/>
+          </a:xfrm>
+          <a:prstGeom prst="rect">
+            <a:avLst/>
+          </a:prstGeom>
+        </p:spPr>
+      </p:pic>
+      <p:pic>
+        <p:nvPicPr>
+          <p:cNvPr id="5" name="Picture 4">
+            <a:extLst>
+              <a:ext uri="{FF2B5EF4-FFF2-40B4-BE49-F238E27FC236}">
+                <a16:creationId xmlns:a16="http://schemas.microsoft.com/office/drawing/2014/main" id="{B3FB64A7-B88D-48EC-A8F8-AA97324DBA7D}"/>
+              </a:ext>
+            </a:extLst>
+          </p:cNvPr>
+          <p:cNvPicPr>
+            <a:picLocks noChangeAspect="1"/>
+          </p:cNvPicPr>
+          <p:nvPr/>
+        </p:nvPicPr>
+        <p:blipFill>
+          <a:blip r:embed="rId3"/>
+          <a:stretch>
+            <a:fillRect/>
+          </a:stretch>
+        </p:blipFill>
+        <p:spPr>
+          <a:xfrm>
+            <a:off x="7636079" y="860030"/>
+            <a:ext cx="3850334" cy="2356670"/>
+          </a:xfrm>
+          <a:prstGeom prst="rect">
+            <a:avLst/>
+          </a:prstGeom>
+        </p:spPr>
+      </p:pic>
+      <p:cxnSp>
+        <p:nvCxnSpPr>
+          <p:cNvPr id="7" name="Straight Arrow Connector 6">
+            <a:extLst>
+              <a:ext uri="{FF2B5EF4-FFF2-40B4-BE49-F238E27FC236}">
+                <a16:creationId xmlns:a16="http://schemas.microsoft.com/office/drawing/2014/main" id="{5C36DBE7-496F-4ED0-988E-9B1A0D95021B}"/>
+              </a:ext>
+            </a:extLst>
+          </p:cNvPr>
+          <p:cNvCxnSpPr/>
+          <p:nvPr/>
+        </p:nvCxnSpPr>
+        <p:spPr>
+          <a:xfrm flipV="1">
+            <a:off x="3305262" y="2818701"/>
+            <a:ext cx="4228052" cy="755009"/>
+          </a:xfrm>
+          <a:prstGeom prst="straightConnector1">
+            <a:avLst/>
+          </a:prstGeom>
+          <a:ln>
+            <a:tailEnd type="triangle"/>
+          </a:ln>
+        </p:spPr>
+        <p:style>
+          <a:lnRef idx="1">
+            <a:schemeClr val="dk1"/>
+          </a:lnRef>
+          <a:fillRef idx="0">
+            <a:schemeClr val="dk1"/>
+          </a:fillRef>
+          <a:effectRef idx="0">
+            <a:schemeClr val="dk1"/>
+          </a:effectRef>
+          <a:fontRef idx="minor">
+            <a:schemeClr val="tx1"/>
+          </a:fontRef>
+        </p:style>
+      </p:cxnSp>
+      <p:cxnSp>
+        <p:nvCxnSpPr>
+          <p:cNvPr id="9" name="Straight Arrow Connector 8">
+            <a:extLst>
+              <a:ext uri="{FF2B5EF4-FFF2-40B4-BE49-F238E27FC236}">
+                <a16:creationId xmlns:a16="http://schemas.microsoft.com/office/drawing/2014/main" id="{07960A26-2099-4E01-A603-163BF19608FA}"/>
+              </a:ext>
+            </a:extLst>
+          </p:cNvPr>
+          <p:cNvCxnSpPr/>
+          <p:nvPr/>
+        </p:nvCxnSpPr>
+        <p:spPr>
+          <a:xfrm>
+            <a:off x="3229761" y="3951215"/>
+            <a:ext cx="3196206" cy="771787"/>
+          </a:xfrm>
+          <a:prstGeom prst="straightConnector1">
+            <a:avLst/>
+          </a:prstGeom>
+          <a:ln>
+            <a:tailEnd type="triangle"/>
+          </a:ln>
+        </p:spPr>
+        <p:style>
+          <a:lnRef idx="1">
+            <a:schemeClr val="dk1"/>
+          </a:lnRef>
+          <a:fillRef idx="0">
+            <a:schemeClr val="dk1"/>
+          </a:fillRef>
+          <a:effectRef idx="0">
+            <a:schemeClr val="dk1"/>
+          </a:effectRef>
+          <a:fontRef idx="minor">
+            <a:schemeClr val="tx1"/>
+          </a:fontRef>
+        </p:style>
+      </p:cxnSp>
+    </p:spTree>
+    <p:extLst>
+      <p:ext uri="{BB962C8B-B14F-4D97-AF65-F5344CB8AC3E}">
+        <p14:creationId xmlns:p14="http://schemas.microsoft.com/office/powerpoint/2010/main" val="1770708899"/>
+      </p:ext>
+    </p:extLst>
+  </p:cSld>
+  <p:clrMapOvr>
+    <a:masterClrMapping/>
+  </p:clrMapOvr>
+</p:sld>
+</file>
+
+<file path=ppt/slides/slide3.xml><?xml version="1.0" encoding="utf-8"?>
+<p:sld xmlns:a="http://schemas.openxmlformats.org/drawingml/2006/main" xmlns:r="http://schemas.openxmlformats.org/officeDocument/2006/relationships" xmlns:p="http://schemas.openxmlformats.org/presentationml/2006/main">
+  <p:cSld>
+    <p:spTree>
+      <p:nvGrpSpPr>
+        <p:cNvPr id="1" name=""/>
+        <p:cNvGrpSpPr/>
+        <p:nvPr/>
+      </p:nvGrpSpPr>
+      <p:grpSpPr>
+        <a:xfrm>
+          <a:off x="0" y="0"/>
+          <a:ext cx="0" cy="0"/>
+          <a:chOff x="0" y="0"/>
+          <a:chExt cx="0" cy="0"/>
+        </a:xfrm>
+      </p:grpSpPr>
+      <p:sp>
+        <p:nvSpPr>
+          <p:cNvPr id="2" name="Title 1">
+            <a:extLst>
+              <a:ext uri="{FF2B5EF4-FFF2-40B4-BE49-F238E27FC236}">
+                <a16:creationId xmlns:a16="http://schemas.microsoft.com/office/drawing/2014/main" id="{11C6439A-2808-4785-93C2-A3252F0B226A}"/>
+              </a:ext>
+            </a:extLst>
+          </p:cNvPr>
+          <p:cNvSpPr>
+            <a:spLocks noGrp="1"/>
+          </p:cNvSpPr>
+          <p:nvPr>
+            <p:ph type="title"/>
+          </p:nvPr>
+        </p:nvSpPr>
+        <p:spPr/>
+        <p:txBody>
+          <a:bodyPr/>
+          <a:lstStyle/>
+          <a:p>
+            <a:r>
+              <a:rPr lang="sr-Latn-RS" dirty="0"/>
+              <a:t>Modeli redundansi</a:t>
+            </a:r>
+            <a:endParaRPr lang="en-US" dirty="0"/>
+          </a:p>
+        </p:txBody>
+      </p:sp>
+      <p:sp>
+        <p:nvSpPr>
+          <p:cNvPr id="3" name="Content Placeholder 2">
+            <a:extLst>
+              <a:ext uri="{FF2B5EF4-FFF2-40B4-BE49-F238E27FC236}">
+                <a16:creationId xmlns:a16="http://schemas.microsoft.com/office/drawing/2014/main" id="{FB40B7E6-ECC6-445F-81BC-5F24AF1AC99B}"/>
+              </a:ext>
+            </a:extLst>
+          </p:cNvPr>
+          <p:cNvSpPr>
+            <a:spLocks noGrp="1"/>
+          </p:cNvSpPr>
+          <p:nvPr>
+            <p:ph idx="1"/>
+          </p:nvPr>
+        </p:nvSpPr>
+        <p:spPr/>
+        <p:txBody>
+          <a:bodyPr/>
+          <a:lstStyle/>
+          <a:p>
+            <a:r>
+              <a:rPr lang="sr-Latn-RS" dirty="0"/>
+              <a:t>HA se postiže redundantnošću</a:t>
+            </a:r>
+          </a:p>
+          <a:p>
+            <a:endParaRPr lang="sr-Latn-RS" dirty="0"/>
+          </a:p>
+          <a:p>
+            <a:r>
+              <a:rPr lang="sr-Latn-RS" dirty="0"/>
+              <a:t>Redundansa procesa</a:t>
+            </a:r>
+          </a:p>
+          <a:p>
+            <a:r>
+              <a:rPr lang="sr-Latn-RS" dirty="0"/>
+              <a:t>Redundansa podataka</a:t>
+            </a:r>
+          </a:p>
+          <a:p>
+            <a:pPr lvl="1"/>
+            <a:r>
+              <a:rPr lang="sr-Latn-RS" dirty="0"/>
+              <a:t>Fizička redundansa podataka (npr. RAID)</a:t>
+            </a:r>
+          </a:p>
+          <a:p>
+            <a:pPr lvl="1"/>
+            <a:r>
+              <a:rPr lang="sr-Latn-RS" dirty="0"/>
+              <a:t>Logička redundansa podataka</a:t>
+            </a:r>
+            <a:endParaRPr lang="en-US" dirty="0"/>
+          </a:p>
+        </p:txBody>
+      </p:sp>
+    </p:spTree>
+    <p:extLst>
+      <p:ext uri="{BB962C8B-B14F-4D97-AF65-F5344CB8AC3E}">
+        <p14:creationId xmlns:p14="http://schemas.microsoft.com/office/powerpoint/2010/main" val="684266792"/>
+      </p:ext>
+    </p:extLst>
+  </p:cSld>
+  <p:clrMapOvr>
+    <a:masterClrMapping/>
+  </p:clrMapOvr>
+</p:sld>
+</file>
+
+<file path=ppt/slides/slide4.xml><?xml version="1.0" encoding="utf-8"?>
+<p:sld xmlns:a="http://schemas.openxmlformats.org/drawingml/2006/main" xmlns:r="http://schemas.openxmlformats.org/officeDocument/2006/relationships" xmlns:p="http://schemas.openxmlformats.org/presentationml/2006/main">
+  <p:cSld>
+    <p:spTree>
+      <p:nvGrpSpPr>
+        <p:cNvPr id="1" name=""/>
+        <p:cNvGrpSpPr/>
+        <p:nvPr/>
+      </p:nvGrpSpPr>
+      <p:grpSpPr>
+        <a:xfrm>
+          <a:off x="0" y="0"/>
+          <a:ext cx="0" cy="0"/>
+          <a:chOff x="0" y="0"/>
+          <a:chExt cx="0" cy="0"/>
+        </a:xfrm>
+      </p:grpSpPr>
+      <p:sp>
+        <p:nvSpPr>
+          <p:cNvPr id="2" name="Title 1">
+            <a:extLst>
+              <a:ext uri="{FF2B5EF4-FFF2-40B4-BE49-F238E27FC236}">
+                <a16:creationId xmlns:a16="http://schemas.microsoft.com/office/drawing/2014/main" id="{DB14FCED-7B5A-4076-A067-7C82E3BF816E}"/>
+              </a:ext>
+            </a:extLst>
+          </p:cNvPr>
+          <p:cNvSpPr>
+            <a:spLocks noGrp="1"/>
+          </p:cNvSpPr>
+          <p:nvPr>
+            <p:ph type="title"/>
+          </p:nvPr>
+        </p:nvSpPr>
+        <p:spPr/>
+        <p:txBody>
+          <a:bodyPr/>
+          <a:lstStyle/>
+          <a:p>
+            <a:r>
+              <a:rPr lang="sr-Latn-RS" dirty="0"/>
+              <a:t>Redundansa procesa</a:t>
+            </a:r>
+            <a:endParaRPr lang="en-US" dirty="0"/>
+          </a:p>
+        </p:txBody>
+      </p:sp>
+      <p:sp>
+        <p:nvSpPr>
+          <p:cNvPr id="3" name="Content Placeholder 2">
+            <a:extLst>
+              <a:ext uri="{FF2B5EF4-FFF2-40B4-BE49-F238E27FC236}">
+                <a16:creationId xmlns:a16="http://schemas.microsoft.com/office/drawing/2014/main" id="{CE78D57B-E290-49D6-84C8-398CDB63984D}"/>
+              </a:ext>
+            </a:extLst>
+          </p:cNvPr>
+          <p:cNvSpPr>
+            <a:spLocks noGrp="1"/>
+          </p:cNvSpPr>
+          <p:nvPr>
+            <p:ph idx="1"/>
+          </p:nvPr>
+        </p:nvSpPr>
+        <p:spPr/>
+        <p:txBody>
+          <a:bodyPr/>
+          <a:lstStyle/>
+          <a:p>
+            <a:r>
+              <a:rPr lang="sr-Latn-RS" dirty="0"/>
+              <a:t>Tipovi procesa</a:t>
+            </a:r>
+          </a:p>
+          <a:p>
+            <a:pPr lvl="1"/>
+            <a:r>
+              <a:rPr lang="sr-Latn-RS" i="1" dirty="0"/>
+              <a:t>Active</a:t>
+            </a:r>
+          </a:p>
+          <a:p>
+            <a:pPr lvl="1"/>
+            <a:r>
+              <a:rPr lang="sr-Latn-RS" i="1" dirty="0"/>
+              <a:t>Standby</a:t>
+            </a:r>
+          </a:p>
+          <a:p>
+            <a:pPr lvl="1"/>
+            <a:r>
+              <a:rPr lang="sr-Latn-RS" i="1" dirty="0"/>
+              <a:t>Spare</a:t>
+            </a:r>
+            <a:endParaRPr lang="en-US" i="1" dirty="0"/>
+          </a:p>
+        </p:txBody>
+      </p:sp>
+    </p:spTree>
+    <p:extLst>
+      <p:ext uri="{BB962C8B-B14F-4D97-AF65-F5344CB8AC3E}">
+        <p14:creationId xmlns:p14="http://schemas.microsoft.com/office/powerpoint/2010/main" val="1794147624"/>
+      </p:ext>
+    </p:extLst>
+  </p:cSld>
+  <p:clrMapOvr>
+    <a:masterClrMapping/>
+  </p:clrMapOvr>
+</p:sld>
+</file>
+
+<file path=ppt/slides/slide5.xml><?xml version="1.0" encoding="utf-8"?>
+<p:sld xmlns:a="http://schemas.openxmlformats.org/drawingml/2006/main" xmlns:r="http://schemas.openxmlformats.org/officeDocument/2006/relationships" xmlns:p="http://schemas.openxmlformats.org/presentationml/2006/main">
+  <p:cSld>
+    <p:spTree>
+      <p:nvGrpSpPr>
+        <p:cNvPr id="1" name=""/>
+        <p:cNvGrpSpPr/>
+        <p:nvPr/>
+      </p:nvGrpSpPr>
+      <p:grpSpPr>
+        <a:xfrm>
+          <a:off x="0" y="0"/>
+          <a:ext cx="0" cy="0"/>
+          <a:chOff x="0" y="0"/>
+          <a:chExt cx="0" cy="0"/>
+        </a:xfrm>
+      </p:grpSpPr>
+      <p:sp>
+        <p:nvSpPr>
+          <p:cNvPr id="2" name="Title 1">
+            <a:extLst>
+              <a:ext uri="{FF2B5EF4-FFF2-40B4-BE49-F238E27FC236}">
+                <a16:creationId xmlns:a16="http://schemas.microsoft.com/office/drawing/2014/main" id="{9E31CC97-AFBF-43E9-BB87-C275B6B6FEAD}"/>
+              </a:ext>
+            </a:extLst>
+          </p:cNvPr>
+          <p:cNvSpPr>
+            <a:spLocks noGrp="1"/>
+          </p:cNvSpPr>
+          <p:nvPr>
+            <p:ph type="title"/>
+          </p:nvPr>
+        </p:nvSpPr>
+        <p:spPr/>
+        <p:txBody>
+          <a:bodyPr/>
+          <a:lstStyle/>
+          <a:p>
+            <a:r>
+              <a:rPr lang="sr-Latn-RS" dirty="0"/>
+              <a:t>Modeli redundanse procesa</a:t>
+            </a:r>
+            <a:endParaRPr lang="en-US" dirty="0"/>
+          </a:p>
+        </p:txBody>
+      </p:sp>
+      <p:sp>
+        <p:nvSpPr>
+          <p:cNvPr id="3" name="Content Placeholder 2">
+            <a:extLst>
+              <a:ext uri="{FF2B5EF4-FFF2-40B4-BE49-F238E27FC236}">
+                <a16:creationId xmlns:a16="http://schemas.microsoft.com/office/drawing/2014/main" id="{31487250-737A-4891-BFF1-E0D65488F579}"/>
+              </a:ext>
+            </a:extLst>
+          </p:cNvPr>
+          <p:cNvSpPr>
+            <a:spLocks noGrp="1"/>
+          </p:cNvSpPr>
+          <p:nvPr>
+            <p:ph idx="1"/>
+          </p:nvPr>
+        </p:nvSpPr>
+        <p:spPr/>
+        <p:txBody>
+          <a:bodyPr>
+            <a:normAutofit lnSpcReduction="10000"/>
+          </a:bodyPr>
+          <a:lstStyle/>
+          <a:p>
+            <a:r>
+              <a:rPr lang="sr-Latn-RS" dirty="0"/>
+              <a:t>Active/Standby</a:t>
+            </a:r>
+          </a:p>
+          <a:p>
+            <a:pPr lvl="1"/>
+            <a:r>
+              <a:rPr lang="sr-Latn-RS" dirty="0"/>
+              <a:t>Hot Standby</a:t>
+            </a:r>
+          </a:p>
+          <a:p>
+            <a:pPr lvl="1"/>
+            <a:r>
+              <a:rPr lang="sr-Latn-RS" dirty="0"/>
+              <a:t>Warm Standby</a:t>
+            </a:r>
+          </a:p>
+          <a:p>
+            <a:r>
+              <a:rPr lang="sr-Latn-RS" dirty="0"/>
+              <a:t>Active/S*Spare</a:t>
+            </a:r>
+          </a:p>
+          <a:p>
+            <a:r>
+              <a:rPr lang="sr-Latn-RS" dirty="0"/>
+              <a:t>N*Active</a:t>
+            </a:r>
+          </a:p>
+          <a:p>
+            <a:r>
+              <a:rPr lang="sr-Latn-RS" dirty="0"/>
+              <a:t>N*Active/S*Spare</a:t>
+            </a:r>
+          </a:p>
+          <a:p>
+            <a:r>
+              <a:rPr lang="sr-Latn-RS" i="1" dirty="0"/>
+              <a:t>Ostali modeli se zasnivaju na prethodnim</a:t>
+            </a:r>
+            <a:endParaRPr lang="en-US" i="1" dirty="0"/>
+          </a:p>
+        </p:txBody>
+      </p:sp>
+      <p:pic>
+        <p:nvPicPr>
+          <p:cNvPr id="4" name="Picture 3">
+            <a:extLst>
+              <a:ext uri="{FF2B5EF4-FFF2-40B4-BE49-F238E27FC236}">
+                <a16:creationId xmlns:a16="http://schemas.microsoft.com/office/drawing/2014/main" id="{76CAE5A3-7C84-44FC-9690-7B2CB7A1E0CB}"/>
+              </a:ext>
+            </a:extLst>
+          </p:cNvPr>
+          <p:cNvPicPr>
+            <a:picLocks noChangeAspect="1"/>
+          </p:cNvPicPr>
+          <p:nvPr/>
+        </p:nvPicPr>
+        <p:blipFill>
+          <a:blip r:embed="rId2"/>
+          <a:stretch>
+            <a:fillRect/>
+          </a:stretch>
+        </p:blipFill>
+        <p:spPr>
+          <a:xfrm>
+            <a:off x="6094411" y="2097088"/>
+            <a:ext cx="4493239" cy="2396936"/>
+          </a:xfrm>
+          <a:prstGeom prst="rect">
+            <a:avLst/>
+          </a:prstGeom>
+        </p:spPr>
+      </p:pic>
+      <p:cxnSp>
+        <p:nvCxnSpPr>
+          <p:cNvPr id="6" name="Straight Arrow Connector 5">
+            <a:extLst>
+              <a:ext uri="{FF2B5EF4-FFF2-40B4-BE49-F238E27FC236}">
+                <a16:creationId xmlns:a16="http://schemas.microsoft.com/office/drawing/2014/main" id="{9F9E3C22-1406-4C97-85D1-9BD2EFE72DA9}"/>
+              </a:ext>
+            </a:extLst>
+          </p:cNvPr>
+          <p:cNvCxnSpPr/>
+          <p:nvPr/>
+        </p:nvCxnSpPr>
+        <p:spPr>
+          <a:xfrm flipV="1">
+            <a:off x="3791824" y="4020344"/>
+            <a:ext cx="2223082" cy="903994"/>
+          </a:xfrm>
+          <a:prstGeom prst="straightConnector1">
+            <a:avLst/>
+          </a:prstGeom>
+          <a:ln>
+            <a:tailEnd type="triangle"/>
+          </a:ln>
+        </p:spPr>
+        <p:style>
+          <a:lnRef idx="1">
+            <a:schemeClr val="dk1"/>
+          </a:lnRef>
+          <a:fillRef idx="0">
+            <a:schemeClr val="dk1"/>
+          </a:fillRef>
+          <a:effectRef idx="0">
+            <a:schemeClr val="dk1"/>
+          </a:effectRef>
+          <a:fontRef idx="minor">
+            <a:schemeClr val="tx1"/>
+          </a:fontRef>
+        </p:style>
+      </p:cxnSp>
+    </p:spTree>
+    <p:extLst>
+      <p:ext uri="{BB962C8B-B14F-4D97-AF65-F5344CB8AC3E}">
+        <p14:creationId xmlns:p14="http://schemas.microsoft.com/office/powerpoint/2010/main" val="3788027483"/>
+      </p:ext>
+    </p:extLst>
+  </p:cSld>
+  <p:clrMapOvr>
+    <a:masterClrMapping/>
+  </p:clrMapOvr>
+</p:sld>
+</file>
+
+<file path=ppt/slides/slide6.xml><?xml version="1.0" encoding="utf-8"?>
+<p:sld xmlns:a="http://schemas.openxmlformats.org/drawingml/2006/main" xmlns:r="http://schemas.openxmlformats.org/officeDocument/2006/relationships" xmlns:p="http://schemas.openxmlformats.org/presentationml/2006/main">
+  <p:cSld>
+    <p:spTree>
+      <p:nvGrpSpPr>
+        <p:cNvPr id="1" name=""/>
+        <p:cNvGrpSpPr/>
+        <p:nvPr/>
+      </p:nvGrpSpPr>
+      <p:grpSpPr>
+        <a:xfrm>
+          <a:off x="0" y="0"/>
+          <a:ext cx="0" cy="0"/>
+          <a:chOff x="0" y="0"/>
+          <a:chExt cx="0" cy="0"/>
+        </a:xfrm>
+      </p:grpSpPr>
+      <p:sp>
+        <p:nvSpPr>
+          <p:cNvPr id="2" name="Title 1">
+            <a:extLst>
+              <a:ext uri="{FF2B5EF4-FFF2-40B4-BE49-F238E27FC236}">
+                <a16:creationId xmlns:a16="http://schemas.microsoft.com/office/drawing/2014/main" id="{0D275A44-20C3-4536-926D-3B559430E680}"/>
+              </a:ext>
+            </a:extLst>
+          </p:cNvPr>
+          <p:cNvSpPr>
+            <a:spLocks noGrp="1"/>
+          </p:cNvSpPr>
+          <p:nvPr>
+            <p:ph type="title"/>
+          </p:nvPr>
+        </p:nvSpPr>
+        <p:spPr/>
+        <p:txBody>
+          <a:bodyPr/>
+          <a:lstStyle/>
+          <a:p>
+            <a:r>
+              <a:rPr lang="sr-Latn-RS" dirty="0"/>
+              <a:t>Modeli redundanse podataka</a:t>
+            </a:r>
+            <a:endParaRPr lang="en-US" dirty="0"/>
+          </a:p>
+        </p:txBody>
+      </p:sp>
+      <p:sp>
+        <p:nvSpPr>
+          <p:cNvPr id="3" name="Content Placeholder 2">
+            <a:extLst>
+              <a:ext uri="{FF2B5EF4-FFF2-40B4-BE49-F238E27FC236}">
+                <a16:creationId xmlns:a16="http://schemas.microsoft.com/office/drawing/2014/main" id="{09C57E7F-99FD-441D-B287-D09792653773}"/>
+              </a:ext>
+            </a:extLst>
+          </p:cNvPr>
+          <p:cNvSpPr>
+            <a:spLocks noGrp="1"/>
+          </p:cNvSpPr>
+          <p:nvPr>
+            <p:ph idx="1"/>
+          </p:nvPr>
+        </p:nvSpPr>
+        <p:spPr/>
+        <p:txBody>
+          <a:bodyPr/>
+          <a:lstStyle/>
+          <a:p>
+            <a:r>
+              <a:rPr lang="sr-Latn-RS" dirty="0"/>
+              <a:t>Kardinalnost replika</a:t>
+            </a:r>
+          </a:p>
+          <a:p>
+            <a:pPr lvl="1"/>
+            <a:r>
+              <a:rPr lang="sr-Latn-RS" dirty="0"/>
+              <a:t>1*Primary/1*Secondary</a:t>
+            </a:r>
+          </a:p>
+          <a:p>
+            <a:pPr lvl="1"/>
+            <a:r>
+              <a:rPr lang="sr-Latn-RS" dirty="0"/>
+              <a:t>1*Primary/Y*Secondary</a:t>
+            </a:r>
+          </a:p>
+          <a:p>
+            <a:pPr lvl="1"/>
+            <a:r>
+              <a:rPr lang="sr-Latn-RS" dirty="0"/>
+              <a:t>1*Primary</a:t>
+            </a:r>
+          </a:p>
+          <a:p>
+            <a:pPr lvl="1"/>
+            <a:r>
+              <a:rPr lang="sr-Latn-RS" dirty="0"/>
+              <a:t>X*Primary</a:t>
+            </a:r>
+          </a:p>
+          <a:p>
+            <a:pPr lvl="2"/>
+            <a:r>
+              <a:rPr lang="sr-Latn-RS" dirty="0"/>
+              <a:t>Dozvoljava fragmentaciju</a:t>
+            </a:r>
+            <a:endParaRPr lang="en-US" dirty="0"/>
+          </a:p>
+        </p:txBody>
+      </p:sp>
+    </p:spTree>
+    <p:extLst>
+      <p:ext uri="{BB962C8B-B14F-4D97-AF65-F5344CB8AC3E}">
+        <p14:creationId xmlns:p14="http://schemas.microsoft.com/office/powerpoint/2010/main" val="2270675930"/>
+      </p:ext>
+    </p:extLst>
+  </p:cSld>
+  <p:clrMapOvr>
+    <a:masterClrMapping/>
+  </p:clrMapOvr>
+</p:sld>
+</file>
+
+<file path=ppt/slides/slide7.xml><?xml version="1.0" encoding="utf-8"?>
+<p:sld xmlns:a="http://schemas.openxmlformats.org/drawingml/2006/main" xmlns:r="http://schemas.openxmlformats.org/officeDocument/2006/relationships" xmlns:p="http://schemas.openxmlformats.org/presentationml/2006/main">
+  <p:cSld>
+    <p:spTree>
+      <p:nvGrpSpPr>
+        <p:cNvPr id="1" name=""/>
+        <p:cNvGrpSpPr/>
+        <p:nvPr/>
+      </p:nvGrpSpPr>
+      <p:grpSpPr>
+        <a:xfrm>
+          <a:off x="0" y="0"/>
+          <a:ext cx="0" cy="0"/>
+          <a:chOff x="0" y="0"/>
+          <a:chExt cx="0" cy="0"/>
+        </a:xfrm>
+      </p:grpSpPr>
+      <p:sp>
+        <p:nvSpPr>
+          <p:cNvPr id="2" name="Title 1">
+            <a:extLst>
+              <a:ext uri="{FF2B5EF4-FFF2-40B4-BE49-F238E27FC236}">
+                <a16:creationId xmlns:a16="http://schemas.microsoft.com/office/drawing/2014/main" id="{9913C3E2-6FDD-48D5-BDF1-F953FA4632F7}"/>
+              </a:ext>
+            </a:extLst>
+          </p:cNvPr>
+          <p:cNvSpPr>
+            <a:spLocks noGrp="1"/>
+          </p:cNvSpPr>
+          <p:nvPr>
+            <p:ph type="title"/>
+          </p:nvPr>
+        </p:nvSpPr>
+        <p:spPr/>
+        <p:txBody>
+          <a:bodyPr/>
+          <a:lstStyle/>
+          <a:p>
+            <a:r>
+              <a:rPr lang="sr-Latn-RS" dirty="0"/>
+              <a:t>Modeli redundanse podataka</a:t>
+            </a:r>
+            <a:endParaRPr lang="en-US" dirty="0"/>
+          </a:p>
+        </p:txBody>
+      </p:sp>
+      <p:sp>
+        <p:nvSpPr>
+          <p:cNvPr id="3" name="Content Placeholder 2">
+            <a:extLst>
+              <a:ext uri="{FF2B5EF4-FFF2-40B4-BE49-F238E27FC236}">
+                <a16:creationId xmlns:a16="http://schemas.microsoft.com/office/drawing/2014/main" id="{DA8AAE0F-80D1-465E-943B-1E5986FA12DA}"/>
+              </a:ext>
+            </a:extLst>
+          </p:cNvPr>
+          <p:cNvSpPr>
+            <a:spLocks noGrp="1"/>
+          </p:cNvSpPr>
+          <p:nvPr>
+            <p:ph idx="1"/>
+          </p:nvPr>
+        </p:nvSpPr>
+        <p:spPr/>
+        <p:txBody>
+          <a:bodyPr/>
+          <a:lstStyle/>
+          <a:p>
+            <a:r>
+              <a:rPr lang="sr-Latn-RS" dirty="0"/>
+              <a:t>Veze između baze podataka i fragmenata</a:t>
+            </a:r>
+          </a:p>
+          <a:p>
+            <a:pPr lvl="1"/>
+            <a:r>
+              <a:rPr lang="sr-Latn-RS" dirty="0"/>
+              <a:t>Neparticionisana replicirana baza podataka</a:t>
+            </a:r>
+          </a:p>
+          <a:p>
+            <a:pPr lvl="1"/>
+            <a:r>
+              <a:rPr lang="sr-Latn-RS" dirty="0"/>
+              <a:t>Particionisana replicirana baza podataka</a:t>
+            </a:r>
+          </a:p>
+          <a:p>
+            <a:pPr lvl="1"/>
+            <a:r>
+              <a:rPr lang="sr-Latn-RS" dirty="0"/>
+              <a:t>Mešani replicirani fragmenti</a:t>
+            </a:r>
+            <a:endParaRPr lang="en-US" dirty="0"/>
+          </a:p>
+        </p:txBody>
+      </p:sp>
+      <p:pic>
+        <p:nvPicPr>
+          <p:cNvPr id="4" name="Picture 3">
+            <a:extLst>
+              <a:ext uri="{FF2B5EF4-FFF2-40B4-BE49-F238E27FC236}">
+                <a16:creationId xmlns:a16="http://schemas.microsoft.com/office/drawing/2014/main" id="{5C50AB50-9D44-4F57-B8C3-0DBC71C3C77B}"/>
+              </a:ext>
+            </a:extLst>
+          </p:cNvPr>
+          <p:cNvPicPr>
+            <a:picLocks noChangeAspect="1"/>
+          </p:cNvPicPr>
+          <p:nvPr/>
+        </p:nvPicPr>
+        <p:blipFill>
+          <a:blip r:embed="rId2"/>
+          <a:stretch>
+            <a:fillRect/>
+          </a:stretch>
+        </p:blipFill>
+        <p:spPr>
+          <a:xfrm>
+            <a:off x="7524663" y="2594484"/>
+            <a:ext cx="4068922" cy="540521"/>
+          </a:xfrm>
+          <a:prstGeom prst="rect">
+            <a:avLst/>
+          </a:prstGeom>
+        </p:spPr>
+      </p:pic>
+      <p:pic>
+        <p:nvPicPr>
+          <p:cNvPr id="5" name="Picture 4">
+            <a:extLst>
+              <a:ext uri="{FF2B5EF4-FFF2-40B4-BE49-F238E27FC236}">
+                <a16:creationId xmlns:a16="http://schemas.microsoft.com/office/drawing/2014/main" id="{9DBAFE96-FCD6-4D18-BE86-E03EC0AD48D3}"/>
+              </a:ext>
+            </a:extLst>
+          </p:cNvPr>
+          <p:cNvPicPr>
+            <a:picLocks noChangeAspect="1"/>
+          </p:cNvPicPr>
+          <p:nvPr/>
+        </p:nvPicPr>
+        <p:blipFill>
+          <a:blip r:embed="rId3"/>
+          <a:stretch>
+            <a:fillRect/>
+          </a:stretch>
+        </p:blipFill>
+        <p:spPr>
+          <a:xfrm>
+            <a:off x="7129446" y="4020344"/>
+            <a:ext cx="3917965" cy="1109752"/>
+          </a:xfrm>
+          <a:prstGeom prst="rect">
+            <a:avLst/>
+          </a:prstGeom>
+        </p:spPr>
+      </p:pic>
+      <p:pic>
+        <p:nvPicPr>
+          <p:cNvPr id="6" name="Picture 5">
+            <a:extLst>
+              <a:ext uri="{FF2B5EF4-FFF2-40B4-BE49-F238E27FC236}">
+                <a16:creationId xmlns:a16="http://schemas.microsoft.com/office/drawing/2014/main" id="{0250B5CE-4B3E-4ED5-B193-9024A902690F}"/>
+              </a:ext>
+            </a:extLst>
+          </p:cNvPr>
+          <p:cNvPicPr>
+            <a:picLocks noChangeAspect="1"/>
+          </p:cNvPicPr>
+          <p:nvPr/>
+        </p:nvPicPr>
+        <p:blipFill>
+          <a:blip r:embed="rId4"/>
+          <a:stretch>
+            <a:fillRect/>
+          </a:stretch>
+        </p:blipFill>
+        <p:spPr>
+          <a:xfrm>
+            <a:off x="2306578" y="5130096"/>
+            <a:ext cx="4391025" cy="819150"/>
+          </a:xfrm>
+          <a:prstGeom prst="rect">
+            <a:avLst/>
+          </a:prstGeom>
+        </p:spPr>
+      </p:pic>
+      <p:cxnSp>
+        <p:nvCxnSpPr>
+          <p:cNvPr id="8" name="Straight Arrow Connector 7">
+            <a:extLst>
+              <a:ext uri="{FF2B5EF4-FFF2-40B4-BE49-F238E27FC236}">
+                <a16:creationId xmlns:a16="http://schemas.microsoft.com/office/drawing/2014/main" id="{0FF3C52E-3007-4F73-9BB3-5D1C5E48AA59}"/>
+              </a:ext>
+            </a:extLst>
+          </p:cNvPr>
+          <p:cNvCxnSpPr>
+            <a:endCxn id="4" idx="1"/>
+          </p:cNvCxnSpPr>
+          <p:nvPr/>
+        </p:nvCxnSpPr>
+        <p:spPr>
+          <a:xfrm flipV="1">
+            <a:off x="6583272" y="2864745"/>
+            <a:ext cx="941391" cy="130125"/>
+          </a:xfrm>
+          <a:prstGeom prst="straightConnector1">
+            <a:avLst/>
+          </a:prstGeom>
+          <a:ln>
+            <a:tailEnd type="triangle"/>
+          </a:ln>
+        </p:spPr>
+        <p:style>
+          <a:lnRef idx="1">
+            <a:schemeClr val="dk1"/>
+          </a:lnRef>
+          <a:fillRef idx="0">
+            <a:schemeClr val="dk1"/>
+          </a:fillRef>
+          <a:effectRef idx="0">
+            <a:schemeClr val="dk1"/>
+          </a:effectRef>
+          <a:fontRef idx="minor">
+            <a:schemeClr val="tx1"/>
+          </a:fontRef>
+        </p:style>
+      </p:cxnSp>
+      <p:cxnSp>
+        <p:nvCxnSpPr>
+          <p:cNvPr id="10" name="Straight Arrow Connector 9">
+            <a:extLst>
+              <a:ext uri="{FF2B5EF4-FFF2-40B4-BE49-F238E27FC236}">
+                <a16:creationId xmlns:a16="http://schemas.microsoft.com/office/drawing/2014/main" id="{D0971F30-F73D-455D-B497-B6FCC81FA37C}"/>
+              </a:ext>
+            </a:extLst>
+          </p:cNvPr>
+          <p:cNvCxnSpPr/>
+          <p:nvPr/>
+        </p:nvCxnSpPr>
+        <p:spPr>
+          <a:xfrm>
+            <a:off x="6249798" y="3512612"/>
+            <a:ext cx="788565" cy="958720"/>
+          </a:xfrm>
+          <a:prstGeom prst="straightConnector1">
+            <a:avLst/>
+          </a:prstGeom>
+          <a:ln>
+            <a:tailEnd type="triangle"/>
+          </a:ln>
+        </p:spPr>
+        <p:style>
+          <a:lnRef idx="1">
+            <a:schemeClr val="dk1"/>
+          </a:lnRef>
+          <a:fillRef idx="0">
+            <a:schemeClr val="dk1"/>
+          </a:fillRef>
+          <a:effectRef idx="0">
+            <a:schemeClr val="dk1"/>
+          </a:effectRef>
+          <a:fontRef idx="minor">
+            <a:schemeClr val="tx1"/>
+          </a:fontRef>
+        </p:style>
+      </p:cxnSp>
+      <p:cxnSp>
+        <p:nvCxnSpPr>
+          <p:cNvPr id="12" name="Straight Arrow Connector 11">
+            <a:extLst>
+              <a:ext uri="{FF2B5EF4-FFF2-40B4-BE49-F238E27FC236}">
+                <a16:creationId xmlns:a16="http://schemas.microsoft.com/office/drawing/2014/main" id="{A2AB9AEA-079E-45B4-8DBB-9550CD041966}"/>
+              </a:ext>
+            </a:extLst>
+          </p:cNvPr>
+          <p:cNvCxnSpPr/>
+          <p:nvPr/>
+        </p:nvCxnSpPr>
+        <p:spPr>
+          <a:xfrm>
+            <a:off x="4874004" y="3913675"/>
+            <a:ext cx="486561" cy="1058376"/>
+          </a:xfrm>
+          <a:prstGeom prst="straightConnector1">
+            <a:avLst/>
+          </a:prstGeom>
+          <a:ln>
+            <a:tailEnd type="triangle"/>
+          </a:ln>
+        </p:spPr>
+        <p:style>
+          <a:lnRef idx="1">
+            <a:schemeClr val="dk1"/>
+          </a:lnRef>
+          <a:fillRef idx="0">
+            <a:schemeClr val="dk1"/>
+          </a:fillRef>
+          <a:effectRef idx="0">
+            <a:schemeClr val="dk1"/>
+          </a:effectRef>
+          <a:fontRef idx="minor">
+            <a:schemeClr val="tx1"/>
+          </a:fontRef>
+        </p:style>
+      </p:cxnSp>
+    </p:spTree>
+    <p:extLst>
+      <p:ext uri="{BB962C8B-B14F-4D97-AF65-F5344CB8AC3E}">
+        <p14:creationId xmlns:p14="http://schemas.microsoft.com/office/powerpoint/2010/main" val="623020667"/>
+      </p:ext>
+    </p:extLst>
+  </p:cSld>
+  <p:clrMapOvr>
+    <a:masterClrMapping/>
+  </p:clrMapOvr>
+</p:sld>
+</file>
+
+<file path=ppt/slides/slide8.xml><?xml version="1.0" encoding="utf-8"?>
+<p:sld xmlns:a="http://schemas.openxmlformats.org/drawingml/2006/main" xmlns:r="http://schemas.openxmlformats.org/officeDocument/2006/relationships" xmlns:p="http://schemas.openxmlformats.org/presentationml/2006/main">
+  <p:cSld>
+    <p:spTree>
+      <p:nvGrpSpPr>
+        <p:cNvPr id="1" name=""/>
+        <p:cNvGrpSpPr/>
+        <p:nvPr/>
+      </p:nvGrpSpPr>
+      <p:grpSpPr>
+        <a:xfrm>
+          <a:off x="0" y="0"/>
+          <a:ext cx="0" cy="0"/>
+          <a:chOff x="0" y="0"/>
+          <a:chExt cx="0" cy="0"/>
+        </a:xfrm>
+      </p:grpSpPr>
+      <p:sp>
+        <p:nvSpPr>
+          <p:cNvPr id="2" name="Title 1">
+            <a:extLst>
+              <a:ext uri="{FF2B5EF4-FFF2-40B4-BE49-F238E27FC236}">
+                <a16:creationId xmlns:a16="http://schemas.microsoft.com/office/drawing/2014/main" id="{D24C0323-C137-40F1-BC7D-5E13772DA001}"/>
+              </a:ext>
+            </a:extLst>
+          </p:cNvPr>
+          <p:cNvSpPr>
+            <a:spLocks noGrp="1"/>
+          </p:cNvSpPr>
+          <p:nvPr>
+            <p:ph type="title"/>
+          </p:nvPr>
+        </p:nvSpPr>
+        <p:spPr/>
+        <p:txBody>
+          <a:bodyPr/>
+          <a:lstStyle/>
+          <a:p>
+            <a:r>
+              <a:rPr lang="sr-Latn-RS" dirty="0"/>
+              <a:t>Sql server always on availability groups</a:t>
+            </a:r>
+            <a:endParaRPr lang="en-US" dirty="0"/>
+          </a:p>
+        </p:txBody>
+      </p:sp>
+      <p:sp>
+        <p:nvSpPr>
+          <p:cNvPr id="3" name="Content Placeholder 2">
+            <a:extLst>
+              <a:ext uri="{FF2B5EF4-FFF2-40B4-BE49-F238E27FC236}">
+                <a16:creationId xmlns:a16="http://schemas.microsoft.com/office/drawing/2014/main" id="{A1D9B7D1-4941-4DE1-9CF5-05A8C6FF472A}"/>
+              </a:ext>
+            </a:extLst>
+          </p:cNvPr>
+          <p:cNvSpPr>
+            <a:spLocks noGrp="1"/>
+          </p:cNvSpPr>
+          <p:nvPr>
+            <p:ph idx="1"/>
+          </p:nvPr>
+        </p:nvSpPr>
+        <p:spPr/>
+        <p:txBody>
+          <a:bodyPr/>
+          <a:lstStyle/>
+          <a:p>
+            <a:r>
+              <a:rPr lang="sr-Latn-RS" dirty="0"/>
+              <a:t>Microsoft-ovo rešenje HA-DBMS-a dostupno od MSSQL 2012 (11.x) verzije</a:t>
+            </a:r>
+          </a:p>
+          <a:p>
+            <a:r>
+              <a:rPr lang="sr-Latn-RS" dirty="0"/>
+              <a:t>Neparticionisana replicirana baza podataka</a:t>
+            </a:r>
+          </a:p>
+          <a:p>
+            <a:r>
+              <a:rPr lang="sr-Latn-RS" dirty="0"/>
+              <a:t>1*Primar/Y*Sekundar (Y </a:t>
+            </a:r>
+            <a:r>
+              <a:rPr lang="en-US" dirty="0"/>
+              <a:t>= {1, 2, …}</a:t>
+            </a:r>
+            <a:r>
+              <a:rPr lang="sr-Latn-RS" dirty="0"/>
+              <a:t>)</a:t>
+            </a:r>
+            <a:endParaRPr lang="en-US" dirty="0"/>
+          </a:p>
+          <a:p>
+            <a:pPr marL="0" indent="0">
+              <a:buNone/>
+            </a:pPr>
+            <a:endParaRPr lang="en-US" dirty="0"/>
+          </a:p>
+        </p:txBody>
+      </p:sp>
+    </p:spTree>
+    <p:extLst>
+      <p:ext uri="{BB962C8B-B14F-4D97-AF65-F5344CB8AC3E}">
+        <p14:creationId xmlns:p14="http://schemas.microsoft.com/office/powerpoint/2010/main" val="987551731"/>
+      </p:ext>
+    </p:extLst>
+  </p:cSld>
+  <p:clrMapOvr>
+    <a:masterClrMapping/>
+  </p:clrMapOvr>
+</p:sld>
+</file>
+
+<file path=ppt/slides/slide9.xml><?xml version="1.0" encoding="utf-8"?>
+<p:sld xmlns:a="http://schemas.openxmlformats.org/drawingml/2006/main" xmlns:r="http://schemas.openxmlformats.org/officeDocument/2006/relationships" xmlns:p="http://schemas.openxmlformats.org/presentationml/2006/main">
+  <p:cSld>
+    <p:spTree>
+      <p:nvGrpSpPr>
+        <p:cNvPr id="1" name=""/>
+        <p:cNvGrpSpPr/>
+        <p:nvPr/>
+      </p:nvGrpSpPr>
+      <p:grpSpPr>
+        <a:xfrm>
+          <a:off x="0" y="0"/>
+          <a:ext cx="0" cy="0"/>
+          <a:chOff x="0" y="0"/>
+          <a:chExt cx="0" cy="0"/>
+        </a:xfrm>
+      </p:grpSpPr>
+      <p:sp>
+        <p:nvSpPr>
+          <p:cNvPr id="2" name="Title 1">
+            <a:extLst>
+              <a:ext uri="{FF2B5EF4-FFF2-40B4-BE49-F238E27FC236}">
+                <a16:creationId xmlns:a16="http://schemas.microsoft.com/office/drawing/2014/main" id="{26030E31-CE40-42C9-8093-46C18EE60DB2}"/>
+              </a:ext>
+            </a:extLst>
+          </p:cNvPr>
+          <p:cNvSpPr>
+            <a:spLocks noGrp="1"/>
+          </p:cNvSpPr>
+          <p:nvPr>
+            <p:ph type="title"/>
+          </p:nvPr>
+        </p:nvSpPr>
+        <p:spPr/>
+        <p:txBody>
+          <a:bodyPr/>
+          <a:lstStyle/>
+          <a:p>
+            <a:r>
+              <a:rPr lang="en-US" dirty="0" err="1"/>
+              <a:t>Sql</a:t>
+            </a:r>
+            <a:r>
+              <a:rPr lang="en-US" dirty="0"/>
+              <a:t> server AG</a:t>
+            </a:r>
+          </a:p>
+        </p:txBody>
+      </p:sp>
+      <p:sp>
+        <p:nvSpPr>
+          <p:cNvPr id="3" name="Content Placeholder 2">
+            <a:extLst>
+              <a:ext uri="{FF2B5EF4-FFF2-40B4-BE49-F238E27FC236}">
+                <a16:creationId xmlns:a16="http://schemas.microsoft.com/office/drawing/2014/main" id="{FB33D69E-BC65-4622-9C54-543D593D8D13}"/>
+              </a:ext>
+            </a:extLst>
+          </p:cNvPr>
+          <p:cNvSpPr>
+            <a:spLocks noGrp="1"/>
+          </p:cNvSpPr>
+          <p:nvPr>
+            <p:ph idx="1"/>
+          </p:nvPr>
+        </p:nvSpPr>
+        <p:spPr>
+          <a:xfrm>
+            <a:off x="1141412" y="2249487"/>
+            <a:ext cx="9905999" cy="4193258"/>
+          </a:xfrm>
+        </p:spPr>
+        <p:txBody>
+          <a:bodyPr>
+            <a:normAutofit/>
+          </a:bodyPr>
+          <a:lstStyle/>
+          <a:p>
+            <a:r>
+              <a:rPr lang="en-US" dirty="0"/>
+              <a:t>Windows Server Failover Cluster </a:t>
+            </a:r>
+            <a:r>
+              <a:rPr lang="sr-Latn-RS" dirty="0"/>
+              <a:t>(WSFC)</a:t>
+            </a:r>
+          </a:p>
+          <a:p>
+            <a:r>
+              <a:rPr lang="sr-Latn-RS" dirty="0"/>
+              <a:t>Always On Failover Cluster Instance (FCI)</a:t>
+            </a:r>
+            <a:endParaRPr lang="en-US" dirty="0"/>
+          </a:p>
+          <a:p>
+            <a:endParaRPr lang="en-US" dirty="0"/>
+          </a:p>
+          <a:p>
+            <a:r>
+              <a:rPr lang="en-US" dirty="0"/>
+              <a:t>AG </a:t>
+            </a:r>
+            <a:r>
+              <a:rPr lang="en-US" dirty="0" err="1"/>
+              <a:t>tipovi</a:t>
+            </a:r>
+            <a:r>
+              <a:rPr lang="en-US" dirty="0"/>
+              <a:t> </a:t>
+            </a:r>
+            <a:r>
+              <a:rPr lang="en-US" dirty="0" err="1"/>
+              <a:t>replika</a:t>
+            </a:r>
+            <a:endParaRPr lang="en-US" dirty="0"/>
+          </a:p>
+          <a:p>
+            <a:pPr lvl="1"/>
+            <a:r>
+              <a:rPr lang="en-US" dirty="0" err="1"/>
+              <a:t>Primarna</a:t>
+            </a:r>
+            <a:endParaRPr lang="en-US" dirty="0"/>
+          </a:p>
+          <a:p>
+            <a:pPr lvl="1"/>
+            <a:r>
+              <a:rPr lang="en-US" dirty="0" err="1"/>
+              <a:t>Sekundarna</a:t>
+            </a:r>
+            <a:endParaRPr lang="en-US" dirty="0"/>
+          </a:p>
+          <a:p>
+            <a:pPr lvl="2"/>
+            <a:r>
+              <a:rPr lang="en-US" dirty="0" err="1"/>
+              <a:t>Pasivna</a:t>
+            </a:r>
+            <a:endParaRPr lang="en-US" dirty="0"/>
+          </a:p>
+          <a:p>
+            <a:pPr lvl="2"/>
+            <a:r>
+              <a:rPr lang="en-US" dirty="0" err="1"/>
+              <a:t>Aktivna</a:t>
+            </a:r>
+            <a:endParaRPr lang="sr-Latn-RS" dirty="0"/>
+          </a:p>
+          <a:p>
+            <a:endParaRPr lang="en-US" dirty="0"/>
+          </a:p>
+        </p:txBody>
+      </p:sp>
+    </p:spTree>
+    <p:extLst>
+      <p:ext uri="{BB962C8B-B14F-4D97-AF65-F5344CB8AC3E}">
+        <p14:creationId xmlns:p14="http://schemas.microsoft.com/office/powerpoint/2010/main" val="776426521"/>
       </p:ext>
     </p:extLst>
   </p:cSld>
